--- a/Documents/Adwa_Gaming_App_Slide.pptx
+++ b/Documents/Adwa_Gaming_App_Slide.pptx
@@ -5,11 +5,15 @@
     <p:sldMasterId id="2147483648" r:id="rId1"/>
   </p:sldMasterIdLst>
   <p:notesMasterIdLst>
-    <p:notesMasterId r:id="rId4"/>
+    <p:notesMasterId r:id="rId8"/>
   </p:notesMasterIdLst>
   <p:sldIdLst>
     <p:sldId id="256" r:id="rId2"/>
     <p:sldId id="257" r:id="rId3"/>
+    <p:sldId id="258" r:id="rId4"/>
+    <p:sldId id="259" r:id="rId5"/>
+    <p:sldId id="260" r:id="rId6"/>
+    <p:sldId id="261" r:id="rId7"/>
   </p:sldIdLst>
   <p:sldSz cx="9144000" cy="6858000" type="screen4x3"/>
   <p:notesSz cx="6858000" cy="9144000"/>
@@ -109,6 +113,2201 @@
     </a:lvl9pPr>
   </p:defaultTextStyle>
 </p:presentation>
+</file>
+
+<file path=ppt/diagrams/colors1.xml><?xml version="1.0" encoding="utf-8"?>
+<dgm:colorsDef xmlns:dgm="http://schemas.openxmlformats.org/drawingml/2006/diagram" xmlns:a="http://schemas.openxmlformats.org/drawingml/2006/main" uniqueId="urn:microsoft.com/office/officeart/2005/8/colors/accent1_2">
+  <dgm:title val=""/>
+  <dgm:desc val=""/>
+  <dgm:catLst>
+    <dgm:cat type="accent1" pri="11200"/>
+  </dgm:catLst>
+  <dgm:styleLbl name="node0">
+    <dgm:fillClrLst meth="repeat">
+      <a:schemeClr val="accent1"/>
+    </dgm:fillClrLst>
+    <dgm:linClrLst meth="repeat">
+      <a:schemeClr val="lt1"/>
+    </dgm:linClrLst>
+    <dgm:effectClrLst/>
+    <dgm:txLinClrLst/>
+    <dgm:txFillClrLst/>
+    <dgm:txEffectClrLst/>
+  </dgm:styleLbl>
+  <dgm:styleLbl name="alignNode1">
+    <dgm:fillClrLst meth="repeat">
+      <a:schemeClr val="accent1"/>
+    </dgm:fillClrLst>
+    <dgm:linClrLst meth="repeat">
+      <a:schemeClr val="accent1"/>
+    </dgm:linClrLst>
+    <dgm:effectClrLst/>
+    <dgm:txLinClrLst/>
+    <dgm:txFillClrLst/>
+    <dgm:txEffectClrLst/>
+  </dgm:styleLbl>
+  <dgm:styleLbl name="node1">
+    <dgm:fillClrLst meth="repeat">
+      <a:schemeClr val="accent1"/>
+    </dgm:fillClrLst>
+    <dgm:linClrLst meth="repeat">
+      <a:schemeClr val="lt1"/>
+    </dgm:linClrLst>
+    <dgm:effectClrLst/>
+    <dgm:txLinClrLst/>
+    <dgm:txFillClrLst/>
+    <dgm:txEffectClrLst/>
+  </dgm:styleLbl>
+  <dgm:styleLbl name="lnNode1">
+    <dgm:fillClrLst meth="repeat">
+      <a:schemeClr val="accent1"/>
+    </dgm:fillClrLst>
+    <dgm:linClrLst meth="repeat">
+      <a:schemeClr val="lt1"/>
+    </dgm:linClrLst>
+    <dgm:effectClrLst/>
+    <dgm:txLinClrLst/>
+    <dgm:txFillClrLst/>
+    <dgm:txEffectClrLst/>
+  </dgm:styleLbl>
+  <dgm:styleLbl name="vennNode1">
+    <dgm:fillClrLst meth="repeat">
+      <a:schemeClr val="accent1">
+        <a:alpha val="50000"/>
+      </a:schemeClr>
+    </dgm:fillClrLst>
+    <dgm:linClrLst meth="repeat">
+      <a:schemeClr val="lt1"/>
+    </dgm:linClrLst>
+    <dgm:effectClrLst/>
+    <dgm:txLinClrLst/>
+    <dgm:txFillClrLst/>
+    <dgm:txEffectClrLst/>
+  </dgm:styleLbl>
+  <dgm:styleLbl name="node2">
+    <dgm:fillClrLst meth="repeat">
+      <a:schemeClr val="accent1"/>
+    </dgm:fillClrLst>
+    <dgm:linClrLst meth="repeat">
+      <a:schemeClr val="lt1"/>
+    </dgm:linClrLst>
+    <dgm:effectClrLst/>
+    <dgm:txLinClrLst/>
+    <dgm:txFillClrLst/>
+    <dgm:txEffectClrLst/>
+  </dgm:styleLbl>
+  <dgm:styleLbl name="node3">
+    <dgm:fillClrLst meth="repeat">
+      <a:schemeClr val="accent1"/>
+    </dgm:fillClrLst>
+    <dgm:linClrLst meth="repeat">
+      <a:schemeClr val="lt1"/>
+    </dgm:linClrLst>
+    <dgm:effectClrLst/>
+    <dgm:txLinClrLst/>
+    <dgm:txFillClrLst/>
+    <dgm:txEffectClrLst/>
+  </dgm:styleLbl>
+  <dgm:styleLbl name="node4">
+    <dgm:fillClrLst meth="repeat">
+      <a:schemeClr val="accent1"/>
+    </dgm:fillClrLst>
+    <dgm:linClrLst meth="repeat">
+      <a:schemeClr val="lt1"/>
+    </dgm:linClrLst>
+    <dgm:effectClrLst/>
+    <dgm:txLinClrLst/>
+    <dgm:txFillClrLst/>
+    <dgm:txEffectClrLst/>
+  </dgm:styleLbl>
+  <dgm:styleLbl name="fgImgPlace1">
+    <dgm:fillClrLst meth="repeat">
+      <a:schemeClr val="accent1">
+        <a:tint val="50000"/>
+      </a:schemeClr>
+    </dgm:fillClrLst>
+    <dgm:linClrLst meth="repeat">
+      <a:schemeClr val="lt1"/>
+    </dgm:linClrLst>
+    <dgm:effectClrLst/>
+    <dgm:txLinClrLst/>
+    <dgm:txFillClrLst meth="repeat">
+      <a:schemeClr val="lt1"/>
+    </dgm:txFillClrLst>
+    <dgm:txEffectClrLst/>
+  </dgm:styleLbl>
+  <dgm:styleLbl name="alignImgPlace1">
+    <dgm:fillClrLst meth="repeat">
+      <a:schemeClr val="accent1">
+        <a:tint val="50000"/>
+      </a:schemeClr>
+    </dgm:fillClrLst>
+    <dgm:linClrLst meth="repeat">
+      <a:schemeClr val="lt1"/>
+    </dgm:linClrLst>
+    <dgm:effectClrLst/>
+    <dgm:txLinClrLst/>
+    <dgm:txFillClrLst meth="repeat">
+      <a:schemeClr val="lt1"/>
+    </dgm:txFillClrLst>
+    <dgm:txEffectClrLst/>
+  </dgm:styleLbl>
+  <dgm:styleLbl name="bgImgPlace1">
+    <dgm:fillClrLst meth="repeat">
+      <a:schemeClr val="accent1">
+        <a:tint val="50000"/>
+      </a:schemeClr>
+    </dgm:fillClrLst>
+    <dgm:linClrLst meth="repeat">
+      <a:schemeClr val="lt1"/>
+    </dgm:linClrLst>
+    <dgm:effectClrLst/>
+    <dgm:txLinClrLst/>
+    <dgm:txFillClrLst meth="repeat">
+      <a:schemeClr val="lt1"/>
+    </dgm:txFillClrLst>
+    <dgm:txEffectClrLst/>
+  </dgm:styleLbl>
+  <dgm:styleLbl name="sibTrans2D1">
+    <dgm:fillClrLst meth="repeat">
+      <a:schemeClr val="accent1">
+        <a:tint val="60000"/>
+      </a:schemeClr>
+    </dgm:fillClrLst>
+    <dgm:linClrLst meth="repeat">
+      <a:schemeClr val="accent1">
+        <a:tint val="60000"/>
+      </a:schemeClr>
+    </dgm:linClrLst>
+    <dgm:effectClrLst/>
+    <dgm:txLinClrLst/>
+    <dgm:txFillClrLst/>
+    <dgm:txEffectClrLst/>
+  </dgm:styleLbl>
+  <dgm:styleLbl name="fgSibTrans2D1">
+    <dgm:fillClrLst meth="repeat">
+      <a:schemeClr val="accent1">
+        <a:tint val="60000"/>
+      </a:schemeClr>
+    </dgm:fillClrLst>
+    <dgm:linClrLst meth="repeat">
+      <a:schemeClr val="accent1">
+        <a:tint val="60000"/>
+      </a:schemeClr>
+    </dgm:linClrLst>
+    <dgm:effectClrLst/>
+    <dgm:txLinClrLst/>
+    <dgm:txFillClrLst/>
+    <dgm:txEffectClrLst/>
+  </dgm:styleLbl>
+  <dgm:styleLbl name="bgSibTrans2D1">
+    <dgm:fillClrLst meth="repeat">
+      <a:schemeClr val="accent1">
+        <a:tint val="60000"/>
+      </a:schemeClr>
+    </dgm:fillClrLst>
+    <dgm:linClrLst meth="repeat">
+      <a:schemeClr val="accent1">
+        <a:tint val="60000"/>
+      </a:schemeClr>
+    </dgm:linClrLst>
+    <dgm:effectClrLst/>
+    <dgm:txLinClrLst/>
+    <dgm:txFillClrLst/>
+    <dgm:txEffectClrLst/>
+  </dgm:styleLbl>
+  <dgm:styleLbl name="sibTrans1D1">
+    <dgm:fillClrLst meth="repeat">
+      <a:schemeClr val="accent1"/>
+    </dgm:fillClrLst>
+    <dgm:linClrLst meth="repeat">
+      <a:schemeClr val="accent1"/>
+    </dgm:linClrLst>
+    <dgm:effectClrLst/>
+    <dgm:txLinClrLst/>
+    <dgm:txFillClrLst meth="repeat">
+      <a:schemeClr val="tx1"/>
+    </dgm:txFillClrLst>
+    <dgm:txEffectClrLst/>
+  </dgm:styleLbl>
+  <dgm:styleLbl name="callout">
+    <dgm:fillClrLst meth="repeat">
+      <a:schemeClr val="accent1"/>
+    </dgm:fillClrLst>
+    <dgm:linClrLst meth="repeat">
+      <a:schemeClr val="accent1">
+        <a:tint val="50000"/>
+      </a:schemeClr>
+    </dgm:linClrLst>
+    <dgm:effectClrLst/>
+    <dgm:txLinClrLst/>
+    <dgm:txFillClrLst meth="repeat">
+      <a:schemeClr val="tx1"/>
+    </dgm:txFillClrLst>
+    <dgm:txEffectClrLst/>
+  </dgm:styleLbl>
+  <dgm:styleLbl name="asst0">
+    <dgm:fillClrLst meth="repeat">
+      <a:schemeClr val="accent1"/>
+    </dgm:fillClrLst>
+    <dgm:linClrLst meth="repeat">
+      <a:schemeClr val="lt1"/>
+    </dgm:linClrLst>
+    <dgm:effectClrLst/>
+    <dgm:txLinClrLst/>
+    <dgm:txFillClrLst/>
+    <dgm:txEffectClrLst/>
+  </dgm:styleLbl>
+  <dgm:styleLbl name="asst1">
+    <dgm:fillClrLst meth="repeat">
+      <a:schemeClr val="accent1"/>
+    </dgm:fillClrLst>
+    <dgm:linClrLst meth="repeat">
+      <a:schemeClr val="lt1"/>
+    </dgm:linClrLst>
+    <dgm:effectClrLst/>
+    <dgm:txLinClrLst/>
+    <dgm:txFillClrLst/>
+    <dgm:txEffectClrLst/>
+  </dgm:styleLbl>
+  <dgm:styleLbl name="asst2">
+    <dgm:fillClrLst meth="repeat">
+      <a:schemeClr val="accent1"/>
+    </dgm:fillClrLst>
+    <dgm:linClrLst meth="repeat">
+      <a:schemeClr val="lt1"/>
+    </dgm:linClrLst>
+    <dgm:effectClrLst/>
+    <dgm:txLinClrLst/>
+    <dgm:txFillClrLst/>
+    <dgm:txEffectClrLst/>
+  </dgm:styleLbl>
+  <dgm:styleLbl name="asst3">
+    <dgm:fillClrLst meth="repeat">
+      <a:schemeClr val="accent1"/>
+    </dgm:fillClrLst>
+    <dgm:linClrLst meth="repeat">
+      <a:schemeClr val="lt1"/>
+    </dgm:linClrLst>
+    <dgm:effectClrLst/>
+    <dgm:txLinClrLst/>
+    <dgm:txFillClrLst/>
+    <dgm:txEffectClrLst/>
+  </dgm:styleLbl>
+  <dgm:styleLbl name="asst4">
+    <dgm:fillClrLst meth="repeat">
+      <a:schemeClr val="accent1"/>
+    </dgm:fillClrLst>
+    <dgm:linClrLst meth="repeat">
+      <a:schemeClr val="lt1"/>
+    </dgm:linClrLst>
+    <dgm:effectClrLst/>
+    <dgm:txLinClrLst/>
+    <dgm:txFillClrLst/>
+    <dgm:txEffectClrLst/>
+  </dgm:styleLbl>
+  <dgm:styleLbl name="parChTrans2D1">
+    <dgm:fillClrLst meth="repeat">
+      <a:schemeClr val="accent1">
+        <a:tint val="60000"/>
+      </a:schemeClr>
+    </dgm:fillClrLst>
+    <dgm:linClrLst meth="repeat">
+      <a:schemeClr val="accent1">
+        <a:tint val="60000"/>
+      </a:schemeClr>
+    </dgm:linClrLst>
+    <dgm:effectClrLst/>
+    <dgm:txLinClrLst/>
+    <dgm:txFillClrLst meth="repeat">
+      <a:schemeClr val="lt1"/>
+    </dgm:txFillClrLst>
+    <dgm:txEffectClrLst/>
+  </dgm:styleLbl>
+  <dgm:styleLbl name="parChTrans2D2">
+    <dgm:fillClrLst meth="repeat">
+      <a:schemeClr val="accent1"/>
+    </dgm:fillClrLst>
+    <dgm:linClrLst meth="repeat">
+      <a:schemeClr val="accent1"/>
+    </dgm:linClrLst>
+    <dgm:effectClrLst/>
+    <dgm:txLinClrLst/>
+    <dgm:txFillClrLst meth="repeat">
+      <a:schemeClr val="lt1"/>
+    </dgm:txFillClrLst>
+    <dgm:txEffectClrLst/>
+  </dgm:styleLbl>
+  <dgm:styleLbl name="parChTrans2D3">
+    <dgm:fillClrLst meth="repeat">
+      <a:schemeClr val="accent1"/>
+    </dgm:fillClrLst>
+    <dgm:linClrLst meth="repeat">
+      <a:schemeClr val="accent1"/>
+    </dgm:linClrLst>
+    <dgm:effectClrLst/>
+    <dgm:txLinClrLst/>
+    <dgm:txFillClrLst meth="repeat">
+      <a:schemeClr val="lt1"/>
+    </dgm:txFillClrLst>
+    <dgm:txEffectClrLst/>
+  </dgm:styleLbl>
+  <dgm:styleLbl name="parChTrans2D4">
+    <dgm:fillClrLst meth="repeat">
+      <a:schemeClr val="accent1"/>
+    </dgm:fillClrLst>
+    <dgm:linClrLst meth="repeat">
+      <a:schemeClr val="accent1"/>
+    </dgm:linClrLst>
+    <dgm:effectClrLst/>
+    <dgm:txLinClrLst/>
+    <dgm:txFillClrLst meth="repeat">
+      <a:schemeClr val="lt1"/>
+    </dgm:txFillClrLst>
+    <dgm:txEffectClrLst/>
+  </dgm:styleLbl>
+  <dgm:styleLbl name="parChTrans1D1">
+    <dgm:fillClrLst meth="repeat">
+      <a:schemeClr val="accent1"/>
+    </dgm:fillClrLst>
+    <dgm:linClrLst meth="repeat">
+      <a:schemeClr val="accent1">
+        <a:shade val="60000"/>
+      </a:schemeClr>
+    </dgm:linClrLst>
+    <dgm:effectClrLst/>
+    <dgm:txLinClrLst/>
+    <dgm:txFillClrLst meth="repeat">
+      <a:schemeClr val="tx1"/>
+    </dgm:txFillClrLst>
+    <dgm:txEffectClrLst/>
+  </dgm:styleLbl>
+  <dgm:styleLbl name="parChTrans1D2">
+    <dgm:fillClrLst meth="repeat">
+      <a:schemeClr val="accent1"/>
+    </dgm:fillClrLst>
+    <dgm:linClrLst meth="repeat">
+      <a:schemeClr val="accent1">
+        <a:shade val="60000"/>
+      </a:schemeClr>
+    </dgm:linClrLst>
+    <dgm:effectClrLst/>
+    <dgm:txLinClrLst/>
+    <dgm:txFillClrLst meth="repeat">
+      <a:schemeClr val="tx1"/>
+    </dgm:txFillClrLst>
+    <dgm:txEffectClrLst/>
+  </dgm:styleLbl>
+  <dgm:styleLbl name="parChTrans1D3">
+    <dgm:fillClrLst meth="repeat">
+      <a:schemeClr val="accent1"/>
+    </dgm:fillClrLst>
+    <dgm:linClrLst meth="repeat">
+      <a:schemeClr val="accent1">
+        <a:shade val="80000"/>
+      </a:schemeClr>
+    </dgm:linClrLst>
+    <dgm:effectClrLst/>
+    <dgm:txLinClrLst/>
+    <dgm:txFillClrLst meth="repeat">
+      <a:schemeClr val="tx1"/>
+    </dgm:txFillClrLst>
+    <dgm:txEffectClrLst/>
+  </dgm:styleLbl>
+  <dgm:styleLbl name="parChTrans1D4">
+    <dgm:fillClrLst meth="repeat">
+      <a:schemeClr val="accent1"/>
+    </dgm:fillClrLst>
+    <dgm:linClrLst meth="repeat">
+      <a:schemeClr val="accent1">
+        <a:shade val="80000"/>
+      </a:schemeClr>
+    </dgm:linClrLst>
+    <dgm:effectClrLst/>
+    <dgm:txLinClrLst/>
+    <dgm:txFillClrLst meth="repeat">
+      <a:schemeClr val="tx1"/>
+    </dgm:txFillClrLst>
+    <dgm:txEffectClrLst/>
+  </dgm:styleLbl>
+  <dgm:styleLbl name="fgAcc1">
+    <dgm:fillClrLst meth="repeat">
+      <a:schemeClr val="lt1">
+        <a:alpha val="90000"/>
+      </a:schemeClr>
+    </dgm:fillClrLst>
+    <dgm:linClrLst meth="repeat">
+      <a:schemeClr val="accent1"/>
+    </dgm:linClrLst>
+    <dgm:effectClrLst/>
+    <dgm:txLinClrLst/>
+    <dgm:txFillClrLst meth="repeat">
+      <a:schemeClr val="dk1"/>
+    </dgm:txFillClrLst>
+    <dgm:txEffectClrLst/>
+  </dgm:styleLbl>
+  <dgm:styleLbl name="conFgAcc1">
+    <dgm:fillClrLst meth="repeat">
+      <a:schemeClr val="lt1">
+        <a:alpha val="90000"/>
+      </a:schemeClr>
+    </dgm:fillClrLst>
+    <dgm:linClrLst meth="repeat">
+      <a:schemeClr val="accent1"/>
+    </dgm:linClrLst>
+    <dgm:effectClrLst/>
+    <dgm:txLinClrLst/>
+    <dgm:txFillClrLst meth="repeat">
+      <a:schemeClr val="dk1"/>
+    </dgm:txFillClrLst>
+    <dgm:txEffectClrLst/>
+  </dgm:styleLbl>
+  <dgm:styleLbl name="alignAcc1">
+    <dgm:fillClrLst meth="repeat">
+      <a:schemeClr val="lt1">
+        <a:alpha val="90000"/>
+      </a:schemeClr>
+    </dgm:fillClrLst>
+    <dgm:linClrLst meth="repeat">
+      <a:schemeClr val="accent1"/>
+    </dgm:linClrLst>
+    <dgm:effectClrLst/>
+    <dgm:txLinClrLst/>
+    <dgm:txFillClrLst meth="repeat">
+      <a:schemeClr val="dk1"/>
+    </dgm:txFillClrLst>
+    <dgm:txEffectClrLst/>
+  </dgm:styleLbl>
+  <dgm:styleLbl name="trAlignAcc1">
+    <dgm:fillClrLst meth="repeat">
+      <a:schemeClr val="lt1">
+        <a:alpha val="40000"/>
+      </a:schemeClr>
+    </dgm:fillClrLst>
+    <dgm:linClrLst meth="repeat">
+      <a:schemeClr val="accent1"/>
+    </dgm:linClrLst>
+    <dgm:effectClrLst/>
+    <dgm:txLinClrLst/>
+    <dgm:txFillClrLst meth="repeat">
+      <a:schemeClr val="dk1"/>
+    </dgm:txFillClrLst>
+    <dgm:txEffectClrLst/>
+  </dgm:styleLbl>
+  <dgm:styleLbl name="bgAcc1">
+    <dgm:fillClrLst meth="repeat">
+      <a:schemeClr val="lt1">
+        <a:alpha val="90000"/>
+      </a:schemeClr>
+    </dgm:fillClrLst>
+    <dgm:linClrLst meth="repeat">
+      <a:schemeClr val="accent1"/>
+    </dgm:linClrLst>
+    <dgm:effectClrLst/>
+    <dgm:txLinClrLst/>
+    <dgm:txFillClrLst meth="repeat">
+      <a:schemeClr val="dk1"/>
+    </dgm:txFillClrLst>
+    <dgm:txEffectClrLst/>
+  </dgm:styleLbl>
+  <dgm:styleLbl name="solidFgAcc1">
+    <dgm:fillClrLst meth="repeat">
+      <a:schemeClr val="lt1"/>
+    </dgm:fillClrLst>
+    <dgm:linClrLst meth="repeat">
+      <a:schemeClr val="accent1"/>
+    </dgm:linClrLst>
+    <dgm:effectClrLst/>
+    <dgm:txLinClrLst/>
+    <dgm:txFillClrLst meth="repeat">
+      <a:schemeClr val="dk1"/>
+    </dgm:txFillClrLst>
+    <dgm:txEffectClrLst/>
+  </dgm:styleLbl>
+  <dgm:styleLbl name="solidAlignAcc1">
+    <dgm:fillClrLst meth="repeat">
+      <a:schemeClr val="lt1"/>
+    </dgm:fillClrLst>
+    <dgm:linClrLst meth="repeat">
+      <a:schemeClr val="accent1"/>
+    </dgm:linClrLst>
+    <dgm:effectClrLst/>
+    <dgm:txLinClrLst/>
+    <dgm:txFillClrLst meth="repeat">
+      <a:schemeClr val="dk1"/>
+    </dgm:txFillClrLst>
+    <dgm:txEffectClrLst/>
+  </dgm:styleLbl>
+  <dgm:styleLbl name="solidBgAcc1">
+    <dgm:fillClrLst meth="repeat">
+      <a:schemeClr val="lt1"/>
+    </dgm:fillClrLst>
+    <dgm:linClrLst meth="repeat">
+      <a:schemeClr val="accent1"/>
+    </dgm:linClrLst>
+    <dgm:effectClrLst/>
+    <dgm:txLinClrLst/>
+    <dgm:txFillClrLst meth="repeat">
+      <a:schemeClr val="dk1"/>
+    </dgm:txFillClrLst>
+    <dgm:txEffectClrLst/>
+  </dgm:styleLbl>
+  <dgm:styleLbl name="fgAccFollowNode1">
+    <dgm:fillClrLst meth="repeat">
+      <a:schemeClr val="accent1">
+        <a:alpha val="90000"/>
+        <a:tint val="40000"/>
+      </a:schemeClr>
+    </dgm:fillClrLst>
+    <dgm:linClrLst meth="repeat">
+      <a:schemeClr val="accent1">
+        <a:alpha val="90000"/>
+        <a:tint val="40000"/>
+      </a:schemeClr>
+    </dgm:linClrLst>
+    <dgm:effectClrLst/>
+    <dgm:txLinClrLst/>
+    <dgm:txFillClrLst meth="repeat">
+      <a:schemeClr val="dk1"/>
+    </dgm:txFillClrLst>
+    <dgm:txEffectClrLst/>
+  </dgm:styleLbl>
+  <dgm:styleLbl name="alignAccFollowNode1">
+    <dgm:fillClrLst meth="repeat">
+      <a:schemeClr val="accent1">
+        <a:alpha val="90000"/>
+        <a:tint val="40000"/>
+      </a:schemeClr>
+    </dgm:fillClrLst>
+    <dgm:linClrLst meth="repeat">
+      <a:schemeClr val="accent1">
+        <a:alpha val="90000"/>
+        <a:tint val="40000"/>
+      </a:schemeClr>
+    </dgm:linClrLst>
+    <dgm:effectClrLst/>
+    <dgm:txLinClrLst/>
+    <dgm:txFillClrLst meth="repeat">
+      <a:schemeClr val="dk1"/>
+    </dgm:txFillClrLst>
+    <dgm:txEffectClrLst/>
+  </dgm:styleLbl>
+  <dgm:styleLbl name="bgAccFollowNode1">
+    <dgm:fillClrLst meth="repeat">
+      <a:schemeClr val="accent1">
+        <a:alpha val="90000"/>
+        <a:tint val="40000"/>
+      </a:schemeClr>
+    </dgm:fillClrLst>
+    <dgm:linClrLst meth="repeat">
+      <a:schemeClr val="accent1">
+        <a:alpha val="90000"/>
+        <a:tint val="40000"/>
+      </a:schemeClr>
+    </dgm:linClrLst>
+    <dgm:effectClrLst/>
+    <dgm:txLinClrLst/>
+    <dgm:txFillClrLst meth="repeat">
+      <a:schemeClr val="dk1"/>
+    </dgm:txFillClrLst>
+    <dgm:txEffectClrLst/>
+  </dgm:styleLbl>
+  <dgm:styleLbl name="fgAcc0">
+    <dgm:fillClrLst meth="repeat">
+      <a:schemeClr val="lt1">
+        <a:alpha val="90000"/>
+      </a:schemeClr>
+    </dgm:fillClrLst>
+    <dgm:linClrLst meth="repeat">
+      <a:schemeClr val="accent1"/>
+    </dgm:linClrLst>
+    <dgm:effectClrLst/>
+    <dgm:txLinClrLst/>
+    <dgm:txFillClrLst meth="repeat">
+      <a:schemeClr val="dk1"/>
+    </dgm:txFillClrLst>
+    <dgm:txEffectClrLst/>
+  </dgm:styleLbl>
+  <dgm:styleLbl name="fgAcc2">
+    <dgm:fillClrLst meth="repeat">
+      <a:schemeClr val="lt1">
+        <a:alpha val="90000"/>
+      </a:schemeClr>
+    </dgm:fillClrLst>
+    <dgm:linClrLst meth="repeat">
+      <a:schemeClr val="accent1"/>
+    </dgm:linClrLst>
+    <dgm:effectClrLst/>
+    <dgm:txLinClrLst/>
+    <dgm:txFillClrLst meth="repeat">
+      <a:schemeClr val="dk1"/>
+    </dgm:txFillClrLst>
+    <dgm:txEffectClrLst/>
+  </dgm:styleLbl>
+  <dgm:styleLbl name="fgAcc3">
+    <dgm:fillClrLst meth="repeat">
+      <a:schemeClr val="lt1">
+        <a:alpha val="90000"/>
+      </a:schemeClr>
+    </dgm:fillClrLst>
+    <dgm:linClrLst meth="repeat">
+      <a:schemeClr val="accent1"/>
+    </dgm:linClrLst>
+    <dgm:effectClrLst/>
+    <dgm:txLinClrLst/>
+    <dgm:txFillClrLst meth="repeat">
+      <a:schemeClr val="dk1"/>
+    </dgm:txFillClrLst>
+    <dgm:txEffectClrLst/>
+  </dgm:styleLbl>
+  <dgm:styleLbl name="fgAcc4">
+    <dgm:fillClrLst meth="repeat">
+      <a:schemeClr val="lt1">
+        <a:alpha val="90000"/>
+      </a:schemeClr>
+    </dgm:fillClrLst>
+    <dgm:linClrLst meth="repeat">
+      <a:schemeClr val="accent1"/>
+    </dgm:linClrLst>
+    <dgm:effectClrLst/>
+    <dgm:txLinClrLst/>
+    <dgm:txFillClrLst meth="repeat">
+      <a:schemeClr val="dk1"/>
+    </dgm:txFillClrLst>
+    <dgm:txEffectClrLst/>
+  </dgm:styleLbl>
+  <dgm:styleLbl name="bgShp">
+    <dgm:fillClrLst meth="repeat">
+      <a:schemeClr val="accent1">
+        <a:tint val="40000"/>
+      </a:schemeClr>
+    </dgm:fillClrLst>
+    <dgm:linClrLst meth="repeat">
+      <a:schemeClr val="accent1"/>
+    </dgm:linClrLst>
+    <dgm:effectClrLst/>
+    <dgm:txLinClrLst/>
+    <dgm:txFillClrLst meth="repeat">
+      <a:schemeClr val="dk1"/>
+    </dgm:txFillClrLst>
+    <dgm:txEffectClrLst/>
+  </dgm:styleLbl>
+  <dgm:styleLbl name="dkBgShp">
+    <dgm:fillClrLst meth="repeat">
+      <a:schemeClr val="accent1">
+        <a:shade val="80000"/>
+      </a:schemeClr>
+    </dgm:fillClrLst>
+    <dgm:linClrLst meth="repeat">
+      <a:schemeClr val="accent1"/>
+    </dgm:linClrLst>
+    <dgm:effectClrLst/>
+    <dgm:txLinClrLst/>
+    <dgm:txFillClrLst meth="repeat">
+      <a:schemeClr val="lt1"/>
+    </dgm:txFillClrLst>
+    <dgm:txEffectClrLst/>
+  </dgm:styleLbl>
+  <dgm:styleLbl name="trBgShp">
+    <dgm:fillClrLst meth="repeat">
+      <a:schemeClr val="accent1">
+        <a:tint val="50000"/>
+        <a:alpha val="40000"/>
+      </a:schemeClr>
+    </dgm:fillClrLst>
+    <dgm:linClrLst meth="repeat">
+      <a:schemeClr val="accent1"/>
+    </dgm:linClrLst>
+    <dgm:effectClrLst/>
+    <dgm:txLinClrLst/>
+    <dgm:txFillClrLst meth="repeat">
+      <a:schemeClr val="lt1"/>
+    </dgm:txFillClrLst>
+    <dgm:txEffectClrLst/>
+  </dgm:styleLbl>
+  <dgm:styleLbl name="fgShp">
+    <dgm:fillClrLst meth="repeat">
+      <a:schemeClr val="accent1">
+        <a:tint val="60000"/>
+      </a:schemeClr>
+    </dgm:fillClrLst>
+    <dgm:linClrLst meth="repeat">
+      <a:schemeClr val="lt1"/>
+    </dgm:linClrLst>
+    <dgm:effectClrLst/>
+    <dgm:txLinClrLst/>
+    <dgm:txFillClrLst meth="repeat">
+      <a:schemeClr val="dk1"/>
+    </dgm:txFillClrLst>
+    <dgm:txEffectClrLst/>
+  </dgm:styleLbl>
+  <dgm:styleLbl name="revTx">
+    <dgm:fillClrLst meth="repeat">
+      <a:schemeClr val="lt1">
+        <a:alpha val="0"/>
+      </a:schemeClr>
+    </dgm:fillClrLst>
+    <dgm:linClrLst meth="repeat">
+      <a:schemeClr val="dk1">
+        <a:alpha val="0"/>
+      </a:schemeClr>
+    </dgm:linClrLst>
+    <dgm:effectClrLst/>
+    <dgm:txLinClrLst/>
+    <dgm:txFillClrLst meth="repeat">
+      <a:schemeClr val="tx1"/>
+    </dgm:txFillClrLst>
+    <dgm:txEffectClrLst/>
+  </dgm:styleLbl>
+</dgm:colorsDef>
+</file>
+
+<file path=ppt/diagrams/data1.xml><?xml version="1.0" encoding="utf-8"?>
+<dgm:dataModel xmlns:dgm="http://schemas.openxmlformats.org/drawingml/2006/diagram" xmlns:a="http://schemas.openxmlformats.org/drawingml/2006/main">
+  <dgm:ptLst>
+    <dgm:pt modelId="{5F0759EB-4FBA-4514-A2CE-9200847C1AA8}" type="doc">
+      <dgm:prSet loTypeId="urn:microsoft.com/office/officeart/2005/8/layout/cycle7" loCatId="cycle" qsTypeId="urn:microsoft.com/office/officeart/2005/8/quickstyle/simple1" qsCatId="simple" csTypeId="urn:microsoft.com/office/officeart/2005/8/colors/accent1_2" csCatId="accent1" phldr="1"/>
+      <dgm:spPr/>
+      <dgm:t>
+        <a:bodyPr/>
+        <a:lstStyle/>
+        <a:p>
+          <a:endParaRPr lang="en-US"/>
+        </a:p>
+      </dgm:t>
+    </dgm:pt>
+    <dgm:pt modelId="{018EF067-7033-4ED2-94C8-E96605169CA0}">
+      <dgm:prSet phldrT="[Text]"/>
+      <dgm:spPr/>
+      <dgm:t>
+        <a:bodyPr/>
+        <a:lstStyle/>
+        <a:p>
+          <a:r>
+            <a:rPr lang="en-US" dirty="0" smtClean="0"/>
+            <a:t>Story Team</a:t>
+          </a:r>
+          <a:endParaRPr lang="en-US" dirty="0"/>
+        </a:p>
+      </dgm:t>
+    </dgm:pt>
+    <dgm:pt modelId="{0C21ADFB-AF70-49EB-BA91-4C1B389D3416}" type="parTrans" cxnId="{0D22CD9C-89E6-4EFC-A4B2-089B10F0D6D2}">
+      <dgm:prSet/>
+      <dgm:spPr/>
+      <dgm:t>
+        <a:bodyPr/>
+        <a:lstStyle/>
+        <a:p>
+          <a:endParaRPr lang="en-US"/>
+        </a:p>
+      </dgm:t>
+    </dgm:pt>
+    <dgm:pt modelId="{CE1C7E2E-7261-446A-86BB-293E50BDDBAC}" type="sibTrans" cxnId="{0D22CD9C-89E6-4EFC-A4B2-089B10F0D6D2}">
+      <dgm:prSet/>
+      <dgm:spPr/>
+      <dgm:t>
+        <a:bodyPr/>
+        <a:lstStyle/>
+        <a:p>
+          <a:endParaRPr lang="en-US"/>
+        </a:p>
+      </dgm:t>
+    </dgm:pt>
+    <dgm:pt modelId="{57305E67-D5C8-48C3-8B25-66CE955AEB2E}">
+      <dgm:prSet phldrT="[Text]"/>
+      <dgm:spPr/>
+      <dgm:t>
+        <a:bodyPr/>
+        <a:lstStyle/>
+        <a:p>
+          <a:r>
+            <a:rPr lang="en-US" dirty="0" smtClean="0"/>
+            <a:t>Game Logic Team </a:t>
+          </a:r>
+          <a:endParaRPr lang="en-US" dirty="0"/>
+        </a:p>
+      </dgm:t>
+    </dgm:pt>
+    <dgm:pt modelId="{8D2B9E86-C2E9-4FF7-9347-93B1D1C4A8AC}" type="parTrans" cxnId="{1895C6A0-8C3E-416E-AC84-B2C24B597B34}">
+      <dgm:prSet/>
+      <dgm:spPr/>
+      <dgm:t>
+        <a:bodyPr/>
+        <a:lstStyle/>
+        <a:p>
+          <a:endParaRPr lang="en-US"/>
+        </a:p>
+      </dgm:t>
+    </dgm:pt>
+    <dgm:pt modelId="{40124528-4CE0-4608-8BF9-76B3E87D7B58}" type="sibTrans" cxnId="{1895C6A0-8C3E-416E-AC84-B2C24B597B34}">
+      <dgm:prSet/>
+      <dgm:spPr/>
+      <dgm:t>
+        <a:bodyPr/>
+        <a:lstStyle/>
+        <a:p>
+          <a:endParaRPr lang="en-US"/>
+        </a:p>
+      </dgm:t>
+    </dgm:pt>
+    <dgm:pt modelId="{10D4775C-456E-433F-84E2-2DB67E221AE9}">
+      <dgm:prSet phldrT="[Text]"/>
+      <dgm:spPr/>
+      <dgm:t>
+        <a:bodyPr/>
+        <a:lstStyle/>
+        <a:p>
+          <a:r>
+            <a:rPr lang="en-US" dirty="0" smtClean="0"/>
+            <a:t>Graphics Design Team</a:t>
+          </a:r>
+          <a:endParaRPr lang="en-US" dirty="0"/>
+        </a:p>
+      </dgm:t>
+    </dgm:pt>
+    <dgm:pt modelId="{3086BECB-74DD-4375-9967-2FDD443F3D81}" type="parTrans" cxnId="{DD3A2BB4-C932-4E69-B9D4-EC92FAAD3123}">
+      <dgm:prSet/>
+      <dgm:spPr/>
+      <dgm:t>
+        <a:bodyPr/>
+        <a:lstStyle/>
+        <a:p>
+          <a:endParaRPr lang="en-US"/>
+        </a:p>
+      </dgm:t>
+    </dgm:pt>
+    <dgm:pt modelId="{585ED24F-9BB7-4095-A472-17680F7C6163}" type="sibTrans" cxnId="{DD3A2BB4-C932-4E69-B9D4-EC92FAAD3123}">
+      <dgm:prSet/>
+      <dgm:spPr/>
+      <dgm:t>
+        <a:bodyPr/>
+        <a:lstStyle/>
+        <a:p>
+          <a:endParaRPr lang="en-US"/>
+        </a:p>
+      </dgm:t>
+    </dgm:pt>
+    <dgm:pt modelId="{1FC9A3A6-A0BD-4DA7-987A-DCB906723A6F}" type="pres">
+      <dgm:prSet presAssocID="{5F0759EB-4FBA-4514-A2CE-9200847C1AA8}" presName="Name0" presStyleCnt="0">
+        <dgm:presLayoutVars>
+          <dgm:dir/>
+          <dgm:resizeHandles val="exact"/>
+        </dgm:presLayoutVars>
+      </dgm:prSet>
+      <dgm:spPr/>
+    </dgm:pt>
+    <dgm:pt modelId="{04F4715E-0F76-45C6-B05B-33E806786702}" type="pres">
+      <dgm:prSet presAssocID="{018EF067-7033-4ED2-94C8-E96605169CA0}" presName="node" presStyleLbl="node1" presStyleIdx="0" presStyleCnt="3">
+        <dgm:presLayoutVars>
+          <dgm:bulletEnabled val="1"/>
+        </dgm:presLayoutVars>
+      </dgm:prSet>
+      <dgm:spPr/>
+      <dgm:t>
+        <a:bodyPr/>
+        <a:lstStyle/>
+        <a:p>
+          <a:endParaRPr lang="en-US"/>
+        </a:p>
+      </dgm:t>
+    </dgm:pt>
+    <dgm:pt modelId="{A84577FE-6F31-40FE-9DD4-9BD486352DB0}" type="pres">
+      <dgm:prSet presAssocID="{CE1C7E2E-7261-446A-86BB-293E50BDDBAC}" presName="sibTrans" presStyleLbl="sibTrans2D1" presStyleIdx="0" presStyleCnt="3"/>
+      <dgm:spPr/>
+    </dgm:pt>
+    <dgm:pt modelId="{3F7F2A98-7D45-432E-B5C7-91A570EBD10C}" type="pres">
+      <dgm:prSet presAssocID="{CE1C7E2E-7261-446A-86BB-293E50BDDBAC}" presName="connectorText" presStyleLbl="sibTrans2D1" presStyleIdx="0" presStyleCnt="3"/>
+      <dgm:spPr/>
+    </dgm:pt>
+    <dgm:pt modelId="{45947625-2A04-42D3-A8F0-69C840CBE737}" type="pres">
+      <dgm:prSet presAssocID="{57305E67-D5C8-48C3-8B25-66CE955AEB2E}" presName="node" presStyleLbl="node1" presStyleIdx="1" presStyleCnt="3">
+        <dgm:presLayoutVars>
+          <dgm:bulletEnabled val="1"/>
+        </dgm:presLayoutVars>
+      </dgm:prSet>
+      <dgm:spPr/>
+      <dgm:t>
+        <a:bodyPr/>
+        <a:lstStyle/>
+        <a:p>
+          <a:endParaRPr lang="en-US"/>
+        </a:p>
+      </dgm:t>
+    </dgm:pt>
+    <dgm:pt modelId="{6AE2D219-5848-4C51-A99F-38EA50436B5F}" type="pres">
+      <dgm:prSet presAssocID="{40124528-4CE0-4608-8BF9-76B3E87D7B58}" presName="sibTrans" presStyleLbl="sibTrans2D1" presStyleIdx="1" presStyleCnt="3"/>
+      <dgm:spPr/>
+    </dgm:pt>
+    <dgm:pt modelId="{F21F5C51-F92F-4B74-938C-D10C79DC46B7}" type="pres">
+      <dgm:prSet presAssocID="{40124528-4CE0-4608-8BF9-76B3E87D7B58}" presName="connectorText" presStyleLbl="sibTrans2D1" presStyleIdx="1" presStyleCnt="3"/>
+      <dgm:spPr/>
+    </dgm:pt>
+    <dgm:pt modelId="{6A359753-466D-444B-984B-53727A75B29D}" type="pres">
+      <dgm:prSet presAssocID="{10D4775C-456E-433F-84E2-2DB67E221AE9}" presName="node" presStyleLbl="node1" presStyleIdx="2" presStyleCnt="3">
+        <dgm:presLayoutVars>
+          <dgm:bulletEnabled val="1"/>
+        </dgm:presLayoutVars>
+      </dgm:prSet>
+      <dgm:spPr/>
+    </dgm:pt>
+    <dgm:pt modelId="{410C122D-C815-4EDA-A6DB-DCDDA65ACF72}" type="pres">
+      <dgm:prSet presAssocID="{585ED24F-9BB7-4095-A472-17680F7C6163}" presName="sibTrans" presStyleLbl="sibTrans2D1" presStyleIdx="2" presStyleCnt="3"/>
+      <dgm:spPr/>
+    </dgm:pt>
+    <dgm:pt modelId="{EA49C097-DAA9-48FF-BFAE-2FDE5D5AF8FE}" type="pres">
+      <dgm:prSet presAssocID="{585ED24F-9BB7-4095-A472-17680F7C6163}" presName="connectorText" presStyleLbl="sibTrans2D1" presStyleIdx="2" presStyleCnt="3"/>
+      <dgm:spPr/>
+    </dgm:pt>
+  </dgm:ptLst>
+  <dgm:cxnLst>
+    <dgm:cxn modelId="{A1970380-8A00-4665-8762-451038F3AE75}" type="presOf" srcId="{40124528-4CE0-4608-8BF9-76B3E87D7B58}" destId="{F21F5C51-F92F-4B74-938C-D10C79DC46B7}" srcOrd="1" destOrd="0" presId="urn:microsoft.com/office/officeart/2005/8/layout/cycle7"/>
+    <dgm:cxn modelId="{0D22CD9C-89E6-4EFC-A4B2-089B10F0D6D2}" srcId="{5F0759EB-4FBA-4514-A2CE-9200847C1AA8}" destId="{018EF067-7033-4ED2-94C8-E96605169CA0}" srcOrd="0" destOrd="0" parTransId="{0C21ADFB-AF70-49EB-BA91-4C1B389D3416}" sibTransId="{CE1C7E2E-7261-446A-86BB-293E50BDDBAC}"/>
+    <dgm:cxn modelId="{74137CA9-524D-4A4A-A6B6-BED8677CDB11}" type="presOf" srcId="{57305E67-D5C8-48C3-8B25-66CE955AEB2E}" destId="{45947625-2A04-42D3-A8F0-69C840CBE737}" srcOrd="0" destOrd="0" presId="urn:microsoft.com/office/officeart/2005/8/layout/cycle7"/>
+    <dgm:cxn modelId="{E50B7DC9-65FC-4A25-A6CC-D0FEBBD7FF83}" type="presOf" srcId="{CE1C7E2E-7261-446A-86BB-293E50BDDBAC}" destId="{3F7F2A98-7D45-432E-B5C7-91A570EBD10C}" srcOrd="1" destOrd="0" presId="urn:microsoft.com/office/officeart/2005/8/layout/cycle7"/>
+    <dgm:cxn modelId="{67135808-7196-4B32-9813-1D70D46CF8A0}" type="presOf" srcId="{5F0759EB-4FBA-4514-A2CE-9200847C1AA8}" destId="{1FC9A3A6-A0BD-4DA7-987A-DCB906723A6F}" srcOrd="0" destOrd="0" presId="urn:microsoft.com/office/officeart/2005/8/layout/cycle7"/>
+    <dgm:cxn modelId="{D061D603-4A9C-4E3C-8E02-973CF3D516DB}" type="presOf" srcId="{10D4775C-456E-433F-84E2-2DB67E221AE9}" destId="{6A359753-466D-444B-984B-53727A75B29D}" srcOrd="0" destOrd="0" presId="urn:microsoft.com/office/officeart/2005/8/layout/cycle7"/>
+    <dgm:cxn modelId="{01AEFE40-A109-49A7-9481-E33F255589D4}" type="presOf" srcId="{40124528-4CE0-4608-8BF9-76B3E87D7B58}" destId="{6AE2D219-5848-4C51-A99F-38EA50436B5F}" srcOrd="0" destOrd="0" presId="urn:microsoft.com/office/officeart/2005/8/layout/cycle7"/>
+    <dgm:cxn modelId="{FED9D5C0-BC72-415D-B8A8-4BCB1E9B14FC}" type="presOf" srcId="{585ED24F-9BB7-4095-A472-17680F7C6163}" destId="{410C122D-C815-4EDA-A6DB-DCDDA65ACF72}" srcOrd="0" destOrd="0" presId="urn:microsoft.com/office/officeart/2005/8/layout/cycle7"/>
+    <dgm:cxn modelId="{1895C6A0-8C3E-416E-AC84-B2C24B597B34}" srcId="{5F0759EB-4FBA-4514-A2CE-9200847C1AA8}" destId="{57305E67-D5C8-48C3-8B25-66CE955AEB2E}" srcOrd="1" destOrd="0" parTransId="{8D2B9E86-C2E9-4FF7-9347-93B1D1C4A8AC}" sibTransId="{40124528-4CE0-4608-8BF9-76B3E87D7B58}"/>
+    <dgm:cxn modelId="{AFA70DFB-37BF-49F2-A194-532E80431C2B}" type="presOf" srcId="{CE1C7E2E-7261-446A-86BB-293E50BDDBAC}" destId="{A84577FE-6F31-40FE-9DD4-9BD486352DB0}" srcOrd="0" destOrd="0" presId="urn:microsoft.com/office/officeart/2005/8/layout/cycle7"/>
+    <dgm:cxn modelId="{DD3A2BB4-C932-4E69-B9D4-EC92FAAD3123}" srcId="{5F0759EB-4FBA-4514-A2CE-9200847C1AA8}" destId="{10D4775C-456E-433F-84E2-2DB67E221AE9}" srcOrd="2" destOrd="0" parTransId="{3086BECB-74DD-4375-9967-2FDD443F3D81}" sibTransId="{585ED24F-9BB7-4095-A472-17680F7C6163}"/>
+    <dgm:cxn modelId="{6BDB3398-868B-49D4-A7E8-16CDAB759F5B}" type="presOf" srcId="{585ED24F-9BB7-4095-A472-17680F7C6163}" destId="{EA49C097-DAA9-48FF-BFAE-2FDE5D5AF8FE}" srcOrd="1" destOrd="0" presId="urn:microsoft.com/office/officeart/2005/8/layout/cycle7"/>
+    <dgm:cxn modelId="{6A47BAD7-2C72-4068-8E39-A38ECE299573}" type="presOf" srcId="{018EF067-7033-4ED2-94C8-E96605169CA0}" destId="{04F4715E-0F76-45C6-B05B-33E806786702}" srcOrd="0" destOrd="0" presId="urn:microsoft.com/office/officeart/2005/8/layout/cycle7"/>
+    <dgm:cxn modelId="{71FBE1DD-217D-4760-8A80-D35714A20449}" type="presParOf" srcId="{1FC9A3A6-A0BD-4DA7-987A-DCB906723A6F}" destId="{04F4715E-0F76-45C6-B05B-33E806786702}" srcOrd="0" destOrd="0" presId="urn:microsoft.com/office/officeart/2005/8/layout/cycle7"/>
+    <dgm:cxn modelId="{4B823D9B-E525-473B-A689-A69B83C4C39C}" type="presParOf" srcId="{1FC9A3A6-A0BD-4DA7-987A-DCB906723A6F}" destId="{A84577FE-6F31-40FE-9DD4-9BD486352DB0}" srcOrd="1" destOrd="0" presId="urn:microsoft.com/office/officeart/2005/8/layout/cycle7"/>
+    <dgm:cxn modelId="{430AA97F-0208-4654-823C-E56B9304368D}" type="presParOf" srcId="{A84577FE-6F31-40FE-9DD4-9BD486352DB0}" destId="{3F7F2A98-7D45-432E-B5C7-91A570EBD10C}" srcOrd="0" destOrd="0" presId="urn:microsoft.com/office/officeart/2005/8/layout/cycle7"/>
+    <dgm:cxn modelId="{5BBB94FC-ABC8-4202-8A68-A12D13307D4E}" type="presParOf" srcId="{1FC9A3A6-A0BD-4DA7-987A-DCB906723A6F}" destId="{45947625-2A04-42D3-A8F0-69C840CBE737}" srcOrd="2" destOrd="0" presId="urn:microsoft.com/office/officeart/2005/8/layout/cycle7"/>
+    <dgm:cxn modelId="{6E326AD3-1898-4ADF-9352-81664BF07F3D}" type="presParOf" srcId="{1FC9A3A6-A0BD-4DA7-987A-DCB906723A6F}" destId="{6AE2D219-5848-4C51-A99F-38EA50436B5F}" srcOrd="3" destOrd="0" presId="urn:microsoft.com/office/officeart/2005/8/layout/cycle7"/>
+    <dgm:cxn modelId="{67F01B27-BC8D-4585-9578-ECCC335AB2AC}" type="presParOf" srcId="{6AE2D219-5848-4C51-A99F-38EA50436B5F}" destId="{F21F5C51-F92F-4B74-938C-D10C79DC46B7}" srcOrd="0" destOrd="0" presId="urn:microsoft.com/office/officeart/2005/8/layout/cycle7"/>
+    <dgm:cxn modelId="{705CC882-DE70-498D-87C9-B6A847CC05B5}" type="presParOf" srcId="{1FC9A3A6-A0BD-4DA7-987A-DCB906723A6F}" destId="{6A359753-466D-444B-984B-53727A75B29D}" srcOrd="4" destOrd="0" presId="urn:microsoft.com/office/officeart/2005/8/layout/cycle7"/>
+    <dgm:cxn modelId="{EA2987C2-A58B-4B35-B62E-8A8EBE4AA9DC}" type="presParOf" srcId="{1FC9A3A6-A0BD-4DA7-987A-DCB906723A6F}" destId="{410C122D-C815-4EDA-A6DB-DCDDA65ACF72}" srcOrd="5" destOrd="0" presId="urn:microsoft.com/office/officeart/2005/8/layout/cycle7"/>
+    <dgm:cxn modelId="{B431DEA9-D07A-4098-8395-AF1C5F7AABFE}" type="presParOf" srcId="{410C122D-C815-4EDA-A6DB-DCDDA65ACF72}" destId="{EA49C097-DAA9-48FF-BFAE-2FDE5D5AF8FE}" srcOrd="0" destOrd="0" presId="urn:microsoft.com/office/officeart/2005/8/layout/cycle7"/>
+  </dgm:cxnLst>
+  <dgm:bg/>
+  <dgm:whole/>
+</dgm:dataModel>
+</file>
+
+<file path=ppt/diagrams/layout1.xml><?xml version="1.0" encoding="utf-8"?>
+<dgm:layoutDef xmlns:dgm="http://schemas.openxmlformats.org/drawingml/2006/diagram" xmlns:a="http://schemas.openxmlformats.org/drawingml/2006/main" uniqueId="urn:microsoft.com/office/officeart/2005/8/layout/cycle7">
+  <dgm:title val=""/>
+  <dgm:desc val=""/>
+  <dgm:catLst>
+    <dgm:cat type="cycle" pri="6000"/>
+  </dgm:catLst>
+  <dgm:sampData>
+    <dgm:dataModel>
+      <dgm:ptLst>
+        <dgm:pt modelId="0" type="doc"/>
+        <dgm:pt modelId="1">
+          <dgm:prSet phldr="1"/>
+        </dgm:pt>
+        <dgm:pt modelId="2">
+          <dgm:prSet phldr="1"/>
+        </dgm:pt>
+        <dgm:pt modelId="3">
+          <dgm:prSet phldr="1"/>
+        </dgm:pt>
+      </dgm:ptLst>
+      <dgm:cxnLst>
+        <dgm:cxn modelId="6" srcId="0" destId="1" srcOrd="0" destOrd="0"/>
+        <dgm:cxn modelId="7" srcId="0" destId="2" srcOrd="1" destOrd="0"/>
+        <dgm:cxn modelId="8" srcId="0" destId="3" srcOrd="2" destOrd="0"/>
+      </dgm:cxnLst>
+      <dgm:bg/>
+      <dgm:whole/>
+    </dgm:dataModel>
+  </dgm:sampData>
+  <dgm:styleData>
+    <dgm:dataModel>
+      <dgm:ptLst>
+        <dgm:pt modelId="0" type="doc"/>
+        <dgm:pt modelId="1"/>
+        <dgm:pt modelId="2"/>
+        <dgm:pt modelId="3"/>
+      </dgm:ptLst>
+      <dgm:cxnLst>
+        <dgm:cxn modelId="4" srcId="0" destId="1" srcOrd="0" destOrd="0"/>
+        <dgm:cxn modelId="5" srcId="0" destId="2" srcOrd="1" destOrd="0"/>
+        <dgm:cxn modelId="6" srcId="0" destId="3" srcOrd="2" destOrd="0"/>
+      </dgm:cxnLst>
+      <dgm:bg/>
+      <dgm:whole/>
+    </dgm:dataModel>
+  </dgm:styleData>
+  <dgm:clrData>
+    <dgm:dataModel>
+      <dgm:ptLst>
+        <dgm:pt modelId="0" type="doc"/>
+        <dgm:pt modelId="1"/>
+        <dgm:pt modelId="2"/>
+        <dgm:pt modelId="3"/>
+        <dgm:pt modelId="4"/>
+        <dgm:pt modelId="5"/>
+        <dgm:pt modelId="6"/>
+      </dgm:ptLst>
+      <dgm:cxnLst>
+        <dgm:cxn modelId="7" srcId="0" destId="1" srcOrd="0" destOrd="0"/>
+        <dgm:cxn modelId="8" srcId="0" destId="2" srcOrd="1" destOrd="0"/>
+        <dgm:cxn modelId="9" srcId="0" destId="3" srcOrd="2" destOrd="0"/>
+        <dgm:cxn modelId="10" srcId="0" destId="4" srcOrd="3" destOrd="0"/>
+        <dgm:cxn modelId="11" srcId="0" destId="5" srcOrd="4" destOrd="0"/>
+        <dgm:cxn modelId="12" srcId="0" destId="6" srcOrd="5" destOrd="0"/>
+      </dgm:cxnLst>
+      <dgm:bg/>
+      <dgm:whole/>
+    </dgm:dataModel>
+  </dgm:clrData>
+  <dgm:layoutNode name="Name0">
+    <dgm:varLst>
+      <dgm:dir/>
+      <dgm:resizeHandles val="exact"/>
+    </dgm:varLst>
+    <dgm:choose name="Name1">
+      <dgm:if name="Name2" func="var" arg="dir" op="equ" val="norm">
+        <dgm:alg type="cycle">
+          <dgm:param type="stAng" val="0"/>
+          <dgm:param type="spanAng" val="360"/>
+        </dgm:alg>
+      </dgm:if>
+      <dgm:else name="Name3">
+        <dgm:alg type="cycle">
+          <dgm:param type="stAng" val="0"/>
+          <dgm:param type="spanAng" val="-360"/>
+        </dgm:alg>
+      </dgm:else>
+    </dgm:choose>
+    <dgm:shape xmlns:r="http://schemas.openxmlformats.org/officeDocument/2006/relationships" r:blip="">
+      <dgm:adjLst/>
+    </dgm:shape>
+    <dgm:presOf/>
+    <dgm:constrLst>
+      <dgm:constr type="diam" refType="w"/>
+      <dgm:constr type="w" for="ch" ptType="node" refType="w"/>
+      <dgm:constr type="primFontSz" for="ch" ptType="node" op="equ" val="65"/>
+      <dgm:constr type="w" for="ch" forName="sibTrans" refType="w" refFor="ch" refPtType="node" op="equ" fact="0.35"/>
+      <dgm:constr type="connDist" for="ch" forName="sibTrans" op="equ"/>
+      <dgm:constr type="primFontSz" for="des" forName="connectorText" op="equ" val="55"/>
+      <dgm:constr type="primFontSz" for="des" forName="connectorText" refType="primFontSz" refFor="ch" refPtType="node" op="lte" fact="0.8"/>
+      <dgm:constr type="sibSp" refType="w" refFor="ch" refPtType="node" op="equ" fact="0.65"/>
+    </dgm:constrLst>
+    <dgm:ruleLst/>
+    <dgm:forEach name="nodesForEach" axis="ch" ptType="node">
+      <dgm:layoutNode name="node">
+        <dgm:varLst>
+          <dgm:bulletEnabled val="1"/>
+        </dgm:varLst>
+        <dgm:alg type="tx"/>
+        <dgm:shape xmlns:r="http://schemas.openxmlformats.org/officeDocument/2006/relationships" type="roundRect" r:blip="">
+          <dgm:adjLst>
+            <dgm:adj idx="1" val="0.1"/>
+          </dgm:adjLst>
+        </dgm:shape>
+        <dgm:presOf axis="desOrSelf" ptType="node"/>
+        <dgm:constrLst>
+          <dgm:constr type="h" refType="w" fact="0.5"/>
+          <dgm:constr type="tMarg" refType="primFontSz" fact="0.3"/>
+          <dgm:constr type="bMarg" refType="primFontSz" fact="0.3"/>
+          <dgm:constr type="lMarg" refType="primFontSz" fact="0.3"/>
+          <dgm:constr type="rMarg" refType="primFontSz" fact="0.3"/>
+        </dgm:constrLst>
+        <dgm:ruleLst>
+          <dgm:rule type="primFontSz" val="5" fact="NaN" max="NaN"/>
+        </dgm:ruleLst>
+      </dgm:layoutNode>
+      <dgm:choose name="Name4">
+        <dgm:if name="Name5" axis="par ch" ptType="doc node" func="cnt" op="gt" val="1">
+          <dgm:forEach name="sibTransForEach" axis="followSib" ptType="sibTrans" hideLastTrans="0" cnt="1">
+            <dgm:layoutNode name="sibTrans">
+              <dgm:choose name="Name6">
+                <dgm:if name="Name7" axis="par ch" ptType="doc node" func="posEven" op="equ" val="1">
+                  <dgm:alg type="conn">
+                    <dgm:param type="begPts" val="radial"/>
+                    <dgm:param type="endPts" val="radial"/>
+                    <dgm:param type="begSty" val="arr"/>
+                    <dgm:param type="endSty" val="arr"/>
+                  </dgm:alg>
+                </dgm:if>
+                <dgm:else name="Name8">
+                  <dgm:alg type="conn">
+                    <dgm:param type="begPts" val="auto"/>
+                    <dgm:param type="endPts" val="auto"/>
+                    <dgm:param type="begSty" val="arr"/>
+                    <dgm:param type="endSty" val="arr"/>
+                  </dgm:alg>
+                </dgm:else>
+              </dgm:choose>
+              <dgm:shape xmlns:r="http://schemas.openxmlformats.org/officeDocument/2006/relationships" type="conn" r:blip="">
+                <dgm:adjLst/>
+              </dgm:shape>
+              <dgm:presOf axis="self"/>
+              <dgm:constrLst>
+                <dgm:constr type="h" refType="w" fact="0.5"/>
+                <dgm:constr type="connDist"/>
+                <dgm:constr type="begPad" refType="connDist" fact="0.1"/>
+                <dgm:constr type="endPad" refType="connDist" fact="0.1"/>
+              </dgm:constrLst>
+              <dgm:ruleLst/>
+              <dgm:layoutNode name="connectorText">
+                <dgm:alg type="tx">
+                  <dgm:param type="autoTxRot" val="grav"/>
+                </dgm:alg>
+                <dgm:shape xmlns:r="http://schemas.openxmlformats.org/officeDocument/2006/relationships" type="conn" r:blip="" hideGeom="1">
+                  <dgm:adjLst/>
+                </dgm:shape>
+                <dgm:presOf axis="self"/>
+                <dgm:constrLst>
+                  <dgm:constr type="lMarg"/>
+                  <dgm:constr type="rMarg"/>
+                  <dgm:constr type="tMarg"/>
+                  <dgm:constr type="bMarg"/>
+                </dgm:constrLst>
+                <dgm:ruleLst>
+                  <dgm:rule type="primFontSz" val="5" fact="NaN" max="NaN"/>
+                </dgm:ruleLst>
+              </dgm:layoutNode>
+            </dgm:layoutNode>
+          </dgm:forEach>
+        </dgm:if>
+        <dgm:else name="Name9"/>
+      </dgm:choose>
+    </dgm:forEach>
+  </dgm:layoutNode>
+</dgm:layoutDef>
+</file>
+
+<file path=ppt/diagrams/quickStyle1.xml><?xml version="1.0" encoding="utf-8"?>
+<dgm:styleDef xmlns:dgm="http://schemas.openxmlformats.org/drawingml/2006/diagram" xmlns:a="http://schemas.openxmlformats.org/drawingml/2006/main" uniqueId="urn:microsoft.com/office/officeart/2005/8/quickstyle/simple1">
+  <dgm:title val=""/>
+  <dgm:desc val=""/>
+  <dgm:catLst>
+    <dgm:cat type="simple" pri="10100"/>
+  </dgm:catLst>
+  <dgm:scene3d>
+    <a:camera prst="orthographicFront"/>
+    <a:lightRig rig="threePt" dir="t"/>
+  </dgm:scene3d>
+  <dgm:styleLbl name="node0">
+    <dgm:scene3d>
+      <a:camera prst="orthographicFront"/>
+      <a:lightRig rig="threePt" dir="t"/>
+    </dgm:scene3d>
+    <dgm:sp3d/>
+    <dgm:txPr/>
+    <dgm:style>
+      <a:lnRef idx="2">
+        <a:scrgbClr r="0" g="0" b="0"/>
+      </a:lnRef>
+      <a:fillRef idx="1">
+        <a:scrgbClr r="0" g="0" b="0"/>
+      </a:fillRef>
+      <a:effectRef idx="0">
+        <a:scrgbClr r="0" g="0" b="0"/>
+      </a:effectRef>
+      <a:fontRef idx="minor">
+        <a:schemeClr val="lt1"/>
+      </a:fontRef>
+    </dgm:style>
+  </dgm:styleLbl>
+  <dgm:styleLbl name="lnNode1">
+    <dgm:scene3d>
+      <a:camera prst="orthographicFront"/>
+      <a:lightRig rig="threePt" dir="t"/>
+    </dgm:scene3d>
+    <dgm:sp3d/>
+    <dgm:txPr/>
+    <dgm:style>
+      <a:lnRef idx="2">
+        <a:scrgbClr r="0" g="0" b="0"/>
+      </a:lnRef>
+      <a:fillRef idx="1">
+        <a:scrgbClr r="0" g="0" b="0"/>
+      </a:fillRef>
+      <a:effectRef idx="0">
+        <a:scrgbClr r="0" g="0" b="0"/>
+      </a:effectRef>
+      <a:fontRef idx="minor">
+        <a:schemeClr val="lt1"/>
+      </a:fontRef>
+    </dgm:style>
+  </dgm:styleLbl>
+  <dgm:styleLbl name="vennNode1">
+    <dgm:scene3d>
+      <a:camera prst="orthographicFront"/>
+      <a:lightRig rig="threePt" dir="t"/>
+    </dgm:scene3d>
+    <dgm:sp3d/>
+    <dgm:txPr/>
+    <dgm:style>
+      <a:lnRef idx="2">
+        <a:scrgbClr r="0" g="0" b="0"/>
+      </a:lnRef>
+      <a:fillRef idx="1">
+        <a:scrgbClr r="0" g="0" b="0"/>
+      </a:fillRef>
+      <a:effectRef idx="0">
+        <a:scrgbClr r="0" g="0" b="0"/>
+      </a:effectRef>
+      <a:fontRef idx="minor">
+        <a:schemeClr val="tx1"/>
+      </a:fontRef>
+    </dgm:style>
+  </dgm:styleLbl>
+  <dgm:styleLbl name="alignNode1">
+    <dgm:scene3d>
+      <a:camera prst="orthographicFront"/>
+      <a:lightRig rig="threePt" dir="t"/>
+    </dgm:scene3d>
+    <dgm:sp3d/>
+    <dgm:txPr/>
+    <dgm:style>
+      <a:lnRef idx="2">
+        <a:scrgbClr r="0" g="0" b="0"/>
+      </a:lnRef>
+      <a:fillRef idx="1">
+        <a:scrgbClr r="0" g="0" b="0"/>
+      </a:fillRef>
+      <a:effectRef idx="0">
+        <a:scrgbClr r="0" g="0" b="0"/>
+      </a:effectRef>
+      <a:fontRef idx="minor">
+        <a:schemeClr val="lt1"/>
+      </a:fontRef>
+    </dgm:style>
+  </dgm:styleLbl>
+  <dgm:styleLbl name="node1">
+    <dgm:scene3d>
+      <a:camera prst="orthographicFront"/>
+      <a:lightRig rig="threePt" dir="t"/>
+    </dgm:scene3d>
+    <dgm:sp3d/>
+    <dgm:txPr/>
+    <dgm:style>
+      <a:lnRef idx="2">
+        <a:scrgbClr r="0" g="0" b="0"/>
+      </a:lnRef>
+      <a:fillRef idx="1">
+        <a:scrgbClr r="0" g="0" b="0"/>
+      </a:fillRef>
+      <a:effectRef idx="0">
+        <a:scrgbClr r="0" g="0" b="0"/>
+      </a:effectRef>
+      <a:fontRef idx="minor">
+        <a:schemeClr val="lt1"/>
+      </a:fontRef>
+    </dgm:style>
+  </dgm:styleLbl>
+  <dgm:styleLbl name="node2">
+    <dgm:scene3d>
+      <a:camera prst="orthographicFront"/>
+      <a:lightRig rig="threePt" dir="t"/>
+    </dgm:scene3d>
+    <dgm:sp3d/>
+    <dgm:txPr/>
+    <dgm:style>
+      <a:lnRef idx="2">
+        <a:scrgbClr r="0" g="0" b="0"/>
+      </a:lnRef>
+      <a:fillRef idx="1">
+        <a:scrgbClr r="0" g="0" b="0"/>
+      </a:fillRef>
+      <a:effectRef idx="0">
+        <a:scrgbClr r="0" g="0" b="0"/>
+      </a:effectRef>
+      <a:fontRef idx="minor">
+        <a:schemeClr val="lt1"/>
+      </a:fontRef>
+    </dgm:style>
+  </dgm:styleLbl>
+  <dgm:styleLbl name="node3">
+    <dgm:scene3d>
+      <a:camera prst="orthographicFront"/>
+      <a:lightRig rig="threePt" dir="t"/>
+    </dgm:scene3d>
+    <dgm:sp3d/>
+    <dgm:txPr/>
+    <dgm:style>
+      <a:lnRef idx="2">
+        <a:scrgbClr r="0" g="0" b="0"/>
+      </a:lnRef>
+      <a:fillRef idx="1">
+        <a:scrgbClr r="0" g="0" b="0"/>
+      </a:fillRef>
+      <a:effectRef idx="0">
+        <a:scrgbClr r="0" g="0" b="0"/>
+      </a:effectRef>
+      <a:fontRef idx="minor">
+        <a:schemeClr val="lt1"/>
+      </a:fontRef>
+    </dgm:style>
+  </dgm:styleLbl>
+  <dgm:styleLbl name="node4">
+    <dgm:scene3d>
+      <a:camera prst="orthographicFront"/>
+      <a:lightRig rig="threePt" dir="t"/>
+    </dgm:scene3d>
+    <dgm:sp3d/>
+    <dgm:txPr/>
+    <dgm:style>
+      <a:lnRef idx="2">
+        <a:scrgbClr r="0" g="0" b="0"/>
+      </a:lnRef>
+      <a:fillRef idx="1">
+        <a:scrgbClr r="0" g="0" b="0"/>
+      </a:fillRef>
+      <a:effectRef idx="0">
+        <a:scrgbClr r="0" g="0" b="0"/>
+      </a:effectRef>
+      <a:fontRef idx="minor">
+        <a:schemeClr val="lt1"/>
+      </a:fontRef>
+    </dgm:style>
+  </dgm:styleLbl>
+  <dgm:styleLbl name="fgImgPlace1">
+    <dgm:scene3d>
+      <a:camera prst="orthographicFront"/>
+      <a:lightRig rig="threePt" dir="t"/>
+    </dgm:scene3d>
+    <dgm:sp3d/>
+    <dgm:txPr/>
+    <dgm:style>
+      <a:lnRef idx="2">
+        <a:scrgbClr r="0" g="0" b="0"/>
+      </a:lnRef>
+      <a:fillRef idx="1">
+        <a:scrgbClr r="0" g="0" b="0"/>
+      </a:fillRef>
+      <a:effectRef idx="0">
+        <a:scrgbClr r="0" g="0" b="0"/>
+      </a:effectRef>
+      <a:fontRef idx="minor"/>
+    </dgm:style>
+  </dgm:styleLbl>
+  <dgm:styleLbl name="alignImgPlace1">
+    <dgm:scene3d>
+      <a:camera prst="orthographicFront"/>
+      <a:lightRig rig="threePt" dir="t"/>
+    </dgm:scene3d>
+    <dgm:sp3d/>
+    <dgm:txPr/>
+    <dgm:style>
+      <a:lnRef idx="2">
+        <a:scrgbClr r="0" g="0" b="0"/>
+      </a:lnRef>
+      <a:fillRef idx="1">
+        <a:scrgbClr r="0" g="0" b="0"/>
+      </a:fillRef>
+      <a:effectRef idx="0">
+        <a:scrgbClr r="0" g="0" b="0"/>
+      </a:effectRef>
+      <a:fontRef idx="minor"/>
+    </dgm:style>
+  </dgm:styleLbl>
+  <dgm:styleLbl name="bgImgPlace1">
+    <dgm:scene3d>
+      <a:camera prst="orthographicFront"/>
+      <a:lightRig rig="threePt" dir="t"/>
+    </dgm:scene3d>
+    <dgm:sp3d/>
+    <dgm:txPr/>
+    <dgm:style>
+      <a:lnRef idx="2">
+        <a:scrgbClr r="0" g="0" b="0"/>
+      </a:lnRef>
+      <a:fillRef idx="1">
+        <a:scrgbClr r="0" g="0" b="0"/>
+      </a:fillRef>
+      <a:effectRef idx="0">
+        <a:scrgbClr r="0" g="0" b="0"/>
+      </a:effectRef>
+      <a:fontRef idx="minor"/>
+    </dgm:style>
+  </dgm:styleLbl>
+  <dgm:styleLbl name="sibTrans2D1">
+    <dgm:scene3d>
+      <a:camera prst="orthographicFront"/>
+      <a:lightRig rig="threePt" dir="t"/>
+    </dgm:scene3d>
+    <dgm:sp3d/>
+    <dgm:txPr/>
+    <dgm:style>
+      <a:lnRef idx="0">
+        <a:scrgbClr r="0" g="0" b="0"/>
+      </a:lnRef>
+      <a:fillRef idx="1">
+        <a:scrgbClr r="0" g="0" b="0"/>
+      </a:fillRef>
+      <a:effectRef idx="0">
+        <a:scrgbClr r="0" g="0" b="0"/>
+      </a:effectRef>
+      <a:fontRef idx="minor">
+        <a:schemeClr val="lt1"/>
+      </a:fontRef>
+    </dgm:style>
+  </dgm:styleLbl>
+  <dgm:styleLbl name="fgSibTrans2D1">
+    <dgm:scene3d>
+      <a:camera prst="orthographicFront"/>
+      <a:lightRig rig="threePt" dir="t"/>
+    </dgm:scene3d>
+    <dgm:sp3d/>
+    <dgm:txPr/>
+    <dgm:style>
+      <a:lnRef idx="0">
+        <a:scrgbClr r="0" g="0" b="0"/>
+      </a:lnRef>
+      <a:fillRef idx="1">
+        <a:scrgbClr r="0" g="0" b="0"/>
+      </a:fillRef>
+      <a:effectRef idx="0">
+        <a:scrgbClr r="0" g="0" b="0"/>
+      </a:effectRef>
+      <a:fontRef idx="minor">
+        <a:schemeClr val="lt1"/>
+      </a:fontRef>
+    </dgm:style>
+  </dgm:styleLbl>
+  <dgm:styleLbl name="bgSibTrans2D1">
+    <dgm:scene3d>
+      <a:camera prst="orthographicFront"/>
+      <a:lightRig rig="threePt" dir="t"/>
+    </dgm:scene3d>
+    <dgm:sp3d/>
+    <dgm:txPr/>
+    <dgm:style>
+      <a:lnRef idx="0">
+        <a:scrgbClr r="0" g="0" b="0"/>
+      </a:lnRef>
+      <a:fillRef idx="1">
+        <a:scrgbClr r="0" g="0" b="0"/>
+      </a:fillRef>
+      <a:effectRef idx="0">
+        <a:scrgbClr r="0" g="0" b="0"/>
+      </a:effectRef>
+      <a:fontRef idx="minor">
+        <a:schemeClr val="lt1"/>
+      </a:fontRef>
+    </dgm:style>
+  </dgm:styleLbl>
+  <dgm:styleLbl name="sibTrans1D1">
+    <dgm:scene3d>
+      <a:camera prst="orthographicFront"/>
+      <a:lightRig rig="threePt" dir="t"/>
+    </dgm:scene3d>
+    <dgm:sp3d/>
+    <dgm:txPr/>
+    <dgm:style>
+      <a:lnRef idx="1">
+        <a:scrgbClr r="0" g="0" b="0"/>
+      </a:lnRef>
+      <a:fillRef idx="0">
+        <a:scrgbClr r="0" g="0" b="0"/>
+      </a:fillRef>
+      <a:effectRef idx="0">
+        <a:scrgbClr r="0" g="0" b="0"/>
+      </a:effectRef>
+      <a:fontRef idx="minor"/>
+    </dgm:style>
+  </dgm:styleLbl>
+  <dgm:styleLbl name="callout">
+    <dgm:scene3d>
+      <a:camera prst="orthographicFront"/>
+      <a:lightRig rig="threePt" dir="t"/>
+    </dgm:scene3d>
+    <dgm:sp3d/>
+    <dgm:txPr/>
+    <dgm:style>
+      <a:lnRef idx="2">
+        <a:scrgbClr r="0" g="0" b="0"/>
+      </a:lnRef>
+      <a:fillRef idx="1">
+        <a:scrgbClr r="0" g="0" b="0"/>
+      </a:fillRef>
+      <a:effectRef idx="0">
+        <a:scrgbClr r="0" g="0" b="0"/>
+      </a:effectRef>
+      <a:fontRef idx="minor"/>
+    </dgm:style>
+  </dgm:styleLbl>
+  <dgm:styleLbl name="asst0">
+    <dgm:scene3d>
+      <a:camera prst="orthographicFront"/>
+      <a:lightRig rig="threePt" dir="t"/>
+    </dgm:scene3d>
+    <dgm:sp3d/>
+    <dgm:txPr/>
+    <dgm:style>
+      <a:lnRef idx="2">
+        <a:scrgbClr r="0" g="0" b="0"/>
+      </a:lnRef>
+      <a:fillRef idx="1">
+        <a:scrgbClr r="0" g="0" b="0"/>
+      </a:fillRef>
+      <a:effectRef idx="0">
+        <a:scrgbClr r="0" g="0" b="0"/>
+      </a:effectRef>
+      <a:fontRef idx="minor">
+        <a:schemeClr val="lt1"/>
+      </a:fontRef>
+    </dgm:style>
+  </dgm:styleLbl>
+  <dgm:styleLbl name="asst1">
+    <dgm:scene3d>
+      <a:camera prst="orthographicFront"/>
+      <a:lightRig rig="threePt" dir="t"/>
+    </dgm:scene3d>
+    <dgm:sp3d/>
+    <dgm:txPr/>
+    <dgm:style>
+      <a:lnRef idx="2">
+        <a:scrgbClr r="0" g="0" b="0"/>
+      </a:lnRef>
+      <a:fillRef idx="1">
+        <a:scrgbClr r="0" g="0" b="0"/>
+      </a:fillRef>
+      <a:effectRef idx="0">
+        <a:scrgbClr r="0" g="0" b="0"/>
+      </a:effectRef>
+      <a:fontRef idx="minor">
+        <a:schemeClr val="lt1"/>
+      </a:fontRef>
+    </dgm:style>
+  </dgm:styleLbl>
+  <dgm:styleLbl name="asst2">
+    <dgm:scene3d>
+      <a:camera prst="orthographicFront"/>
+      <a:lightRig rig="threePt" dir="t"/>
+    </dgm:scene3d>
+    <dgm:sp3d/>
+    <dgm:txPr/>
+    <dgm:style>
+      <a:lnRef idx="2">
+        <a:scrgbClr r="0" g="0" b="0"/>
+      </a:lnRef>
+      <a:fillRef idx="1">
+        <a:scrgbClr r="0" g="0" b="0"/>
+      </a:fillRef>
+      <a:effectRef idx="0">
+        <a:scrgbClr r="0" g="0" b="0"/>
+      </a:effectRef>
+      <a:fontRef idx="minor">
+        <a:schemeClr val="lt1"/>
+      </a:fontRef>
+    </dgm:style>
+  </dgm:styleLbl>
+  <dgm:styleLbl name="asst3">
+    <dgm:scene3d>
+      <a:camera prst="orthographicFront"/>
+      <a:lightRig rig="threePt" dir="t"/>
+    </dgm:scene3d>
+    <dgm:sp3d/>
+    <dgm:txPr/>
+    <dgm:style>
+      <a:lnRef idx="2">
+        <a:scrgbClr r="0" g="0" b="0"/>
+      </a:lnRef>
+      <a:fillRef idx="1">
+        <a:scrgbClr r="0" g="0" b="0"/>
+      </a:fillRef>
+      <a:effectRef idx="0">
+        <a:scrgbClr r="0" g="0" b="0"/>
+      </a:effectRef>
+      <a:fontRef idx="minor">
+        <a:schemeClr val="lt1"/>
+      </a:fontRef>
+    </dgm:style>
+  </dgm:styleLbl>
+  <dgm:styleLbl name="asst4">
+    <dgm:scene3d>
+      <a:camera prst="orthographicFront"/>
+      <a:lightRig rig="threePt" dir="t"/>
+    </dgm:scene3d>
+    <dgm:sp3d/>
+    <dgm:txPr/>
+    <dgm:style>
+      <a:lnRef idx="2">
+        <a:scrgbClr r="0" g="0" b="0"/>
+      </a:lnRef>
+      <a:fillRef idx="1">
+        <a:scrgbClr r="0" g="0" b="0"/>
+      </a:fillRef>
+      <a:effectRef idx="0">
+        <a:scrgbClr r="0" g="0" b="0"/>
+      </a:effectRef>
+      <a:fontRef idx="minor">
+        <a:schemeClr val="lt1"/>
+      </a:fontRef>
+    </dgm:style>
+  </dgm:styleLbl>
+  <dgm:styleLbl name="parChTrans2D1">
+    <dgm:scene3d>
+      <a:camera prst="orthographicFront"/>
+      <a:lightRig rig="threePt" dir="t"/>
+    </dgm:scene3d>
+    <dgm:sp3d/>
+    <dgm:txPr/>
+    <dgm:style>
+      <a:lnRef idx="2">
+        <a:scrgbClr r="0" g="0" b="0"/>
+      </a:lnRef>
+      <a:fillRef idx="1">
+        <a:scrgbClr r="0" g="0" b="0"/>
+      </a:fillRef>
+      <a:effectRef idx="0">
+        <a:scrgbClr r="0" g="0" b="0"/>
+      </a:effectRef>
+      <a:fontRef idx="minor">
+        <a:schemeClr val="lt1"/>
+      </a:fontRef>
+    </dgm:style>
+  </dgm:styleLbl>
+  <dgm:styleLbl name="parChTrans2D2">
+    <dgm:scene3d>
+      <a:camera prst="orthographicFront"/>
+      <a:lightRig rig="threePt" dir="t"/>
+    </dgm:scene3d>
+    <dgm:sp3d/>
+    <dgm:txPr/>
+    <dgm:style>
+      <a:lnRef idx="2">
+        <a:scrgbClr r="0" g="0" b="0"/>
+      </a:lnRef>
+      <a:fillRef idx="1">
+        <a:scrgbClr r="0" g="0" b="0"/>
+      </a:fillRef>
+      <a:effectRef idx="0">
+        <a:scrgbClr r="0" g="0" b="0"/>
+      </a:effectRef>
+      <a:fontRef idx="minor">
+        <a:schemeClr val="lt1"/>
+      </a:fontRef>
+    </dgm:style>
+  </dgm:styleLbl>
+  <dgm:styleLbl name="parChTrans2D3">
+    <dgm:scene3d>
+      <a:camera prst="orthographicFront"/>
+      <a:lightRig rig="threePt" dir="t"/>
+    </dgm:scene3d>
+    <dgm:sp3d/>
+    <dgm:txPr/>
+    <dgm:style>
+      <a:lnRef idx="2">
+        <a:scrgbClr r="0" g="0" b="0"/>
+      </a:lnRef>
+      <a:fillRef idx="1">
+        <a:scrgbClr r="0" g="0" b="0"/>
+      </a:fillRef>
+      <a:effectRef idx="0">
+        <a:scrgbClr r="0" g="0" b="0"/>
+      </a:effectRef>
+      <a:fontRef idx="minor">
+        <a:schemeClr val="lt1"/>
+      </a:fontRef>
+    </dgm:style>
+  </dgm:styleLbl>
+  <dgm:styleLbl name="parChTrans2D4">
+    <dgm:scene3d>
+      <a:camera prst="orthographicFront"/>
+      <a:lightRig rig="threePt" dir="t"/>
+    </dgm:scene3d>
+    <dgm:sp3d/>
+    <dgm:txPr/>
+    <dgm:style>
+      <a:lnRef idx="2">
+        <a:scrgbClr r="0" g="0" b="0"/>
+      </a:lnRef>
+      <a:fillRef idx="1">
+        <a:scrgbClr r="0" g="0" b="0"/>
+      </a:fillRef>
+      <a:effectRef idx="0">
+        <a:scrgbClr r="0" g="0" b="0"/>
+      </a:effectRef>
+      <a:fontRef idx="minor">
+        <a:schemeClr val="lt1"/>
+      </a:fontRef>
+    </dgm:style>
+  </dgm:styleLbl>
+  <dgm:styleLbl name="parChTrans1D1">
+    <dgm:scene3d>
+      <a:camera prst="orthographicFront"/>
+      <a:lightRig rig="threePt" dir="t"/>
+    </dgm:scene3d>
+    <dgm:sp3d/>
+    <dgm:txPr/>
+    <dgm:style>
+      <a:lnRef idx="2">
+        <a:scrgbClr r="0" g="0" b="0"/>
+      </a:lnRef>
+      <a:fillRef idx="0">
+        <a:scrgbClr r="0" g="0" b="0"/>
+      </a:fillRef>
+      <a:effectRef idx="0">
+        <a:scrgbClr r="0" g="0" b="0"/>
+      </a:effectRef>
+      <a:fontRef idx="minor"/>
+    </dgm:style>
+  </dgm:styleLbl>
+  <dgm:styleLbl name="parChTrans1D2">
+    <dgm:scene3d>
+      <a:camera prst="orthographicFront"/>
+      <a:lightRig rig="threePt" dir="t"/>
+    </dgm:scene3d>
+    <dgm:sp3d/>
+    <dgm:txPr/>
+    <dgm:style>
+      <a:lnRef idx="2">
+        <a:scrgbClr r="0" g="0" b="0"/>
+      </a:lnRef>
+      <a:fillRef idx="0">
+        <a:scrgbClr r="0" g="0" b="0"/>
+      </a:fillRef>
+      <a:effectRef idx="0">
+        <a:scrgbClr r="0" g="0" b="0"/>
+      </a:effectRef>
+      <a:fontRef idx="minor"/>
+    </dgm:style>
+  </dgm:styleLbl>
+  <dgm:styleLbl name="parChTrans1D3">
+    <dgm:scene3d>
+      <a:camera prst="orthographicFront"/>
+      <a:lightRig rig="threePt" dir="t"/>
+    </dgm:scene3d>
+    <dgm:sp3d/>
+    <dgm:txPr/>
+    <dgm:style>
+      <a:lnRef idx="2">
+        <a:scrgbClr r="0" g="0" b="0"/>
+      </a:lnRef>
+      <a:fillRef idx="0">
+        <a:scrgbClr r="0" g="0" b="0"/>
+      </a:fillRef>
+      <a:effectRef idx="0">
+        <a:scrgbClr r="0" g="0" b="0"/>
+      </a:effectRef>
+      <a:fontRef idx="minor"/>
+    </dgm:style>
+  </dgm:styleLbl>
+  <dgm:styleLbl name="parChTrans1D4">
+    <dgm:scene3d>
+      <a:camera prst="orthographicFront"/>
+      <a:lightRig rig="threePt" dir="t"/>
+    </dgm:scene3d>
+    <dgm:sp3d/>
+    <dgm:txPr/>
+    <dgm:style>
+      <a:lnRef idx="2">
+        <a:scrgbClr r="0" g="0" b="0"/>
+      </a:lnRef>
+      <a:fillRef idx="0">
+        <a:scrgbClr r="0" g="0" b="0"/>
+      </a:fillRef>
+      <a:effectRef idx="0">
+        <a:scrgbClr r="0" g="0" b="0"/>
+      </a:effectRef>
+      <a:fontRef idx="minor"/>
+    </dgm:style>
+  </dgm:styleLbl>
+  <dgm:styleLbl name="fgAcc1">
+    <dgm:scene3d>
+      <a:camera prst="orthographicFront"/>
+      <a:lightRig rig="threePt" dir="t"/>
+    </dgm:scene3d>
+    <dgm:sp3d/>
+    <dgm:txPr/>
+    <dgm:style>
+      <a:lnRef idx="2">
+        <a:scrgbClr r="0" g="0" b="0"/>
+      </a:lnRef>
+      <a:fillRef idx="1">
+        <a:scrgbClr r="0" g="0" b="0"/>
+      </a:fillRef>
+      <a:effectRef idx="0">
+        <a:scrgbClr r="0" g="0" b="0"/>
+      </a:effectRef>
+      <a:fontRef idx="minor"/>
+    </dgm:style>
+  </dgm:styleLbl>
+  <dgm:styleLbl name="conFgAcc1">
+    <dgm:scene3d>
+      <a:camera prst="orthographicFront"/>
+      <a:lightRig rig="threePt" dir="t"/>
+    </dgm:scene3d>
+    <dgm:sp3d/>
+    <dgm:txPr/>
+    <dgm:style>
+      <a:lnRef idx="2">
+        <a:scrgbClr r="0" g="0" b="0"/>
+      </a:lnRef>
+      <a:fillRef idx="1">
+        <a:scrgbClr r="0" g="0" b="0"/>
+      </a:fillRef>
+      <a:effectRef idx="0">
+        <a:scrgbClr r="0" g="0" b="0"/>
+      </a:effectRef>
+      <a:fontRef idx="minor"/>
+    </dgm:style>
+  </dgm:styleLbl>
+  <dgm:styleLbl name="alignAcc1">
+    <dgm:scene3d>
+      <a:camera prst="orthographicFront"/>
+      <a:lightRig rig="threePt" dir="t"/>
+    </dgm:scene3d>
+    <dgm:sp3d/>
+    <dgm:txPr/>
+    <dgm:style>
+      <a:lnRef idx="2">
+        <a:scrgbClr r="0" g="0" b="0"/>
+      </a:lnRef>
+      <a:fillRef idx="1">
+        <a:scrgbClr r="0" g="0" b="0"/>
+      </a:fillRef>
+      <a:effectRef idx="0">
+        <a:scrgbClr r="0" g="0" b="0"/>
+      </a:effectRef>
+      <a:fontRef idx="minor"/>
+    </dgm:style>
+  </dgm:styleLbl>
+  <dgm:styleLbl name="trAlignAcc1">
+    <dgm:scene3d>
+      <a:camera prst="orthographicFront"/>
+      <a:lightRig rig="threePt" dir="t"/>
+    </dgm:scene3d>
+    <dgm:sp3d/>
+    <dgm:txPr/>
+    <dgm:style>
+      <a:lnRef idx="1">
+        <a:scrgbClr r="0" g="0" b="0"/>
+      </a:lnRef>
+      <a:fillRef idx="1">
+        <a:scrgbClr r="0" g="0" b="0"/>
+      </a:fillRef>
+      <a:effectRef idx="0">
+        <a:scrgbClr r="0" g="0" b="0"/>
+      </a:effectRef>
+      <a:fontRef idx="minor"/>
+    </dgm:style>
+  </dgm:styleLbl>
+  <dgm:styleLbl name="bgAcc1">
+    <dgm:scene3d>
+      <a:camera prst="orthographicFront"/>
+      <a:lightRig rig="threePt" dir="t"/>
+    </dgm:scene3d>
+    <dgm:sp3d/>
+    <dgm:txPr/>
+    <dgm:style>
+      <a:lnRef idx="2">
+        <a:scrgbClr r="0" g="0" b="0"/>
+      </a:lnRef>
+      <a:fillRef idx="1">
+        <a:scrgbClr r="0" g="0" b="0"/>
+      </a:fillRef>
+      <a:effectRef idx="0">
+        <a:scrgbClr r="0" g="0" b="0"/>
+      </a:effectRef>
+      <a:fontRef idx="minor"/>
+    </dgm:style>
+  </dgm:styleLbl>
+  <dgm:styleLbl name="solidFgAcc1">
+    <dgm:scene3d>
+      <a:camera prst="orthographicFront"/>
+      <a:lightRig rig="threePt" dir="t"/>
+    </dgm:scene3d>
+    <dgm:sp3d/>
+    <dgm:txPr/>
+    <dgm:style>
+      <a:lnRef idx="2">
+        <a:scrgbClr r="0" g="0" b="0"/>
+      </a:lnRef>
+      <a:fillRef idx="1">
+        <a:scrgbClr r="0" g="0" b="0"/>
+      </a:fillRef>
+      <a:effectRef idx="0">
+        <a:scrgbClr r="0" g="0" b="0"/>
+      </a:effectRef>
+      <a:fontRef idx="minor"/>
+    </dgm:style>
+  </dgm:styleLbl>
+  <dgm:styleLbl name="solidAlignAcc1">
+    <dgm:scene3d>
+      <a:camera prst="orthographicFront"/>
+      <a:lightRig rig="threePt" dir="t"/>
+    </dgm:scene3d>
+    <dgm:sp3d/>
+    <dgm:txPr/>
+    <dgm:style>
+      <a:lnRef idx="2">
+        <a:scrgbClr r="0" g="0" b="0"/>
+      </a:lnRef>
+      <a:fillRef idx="1">
+        <a:scrgbClr r="0" g="0" b="0"/>
+      </a:fillRef>
+      <a:effectRef idx="0">
+        <a:scrgbClr r="0" g="0" b="0"/>
+      </a:effectRef>
+      <a:fontRef idx="minor"/>
+    </dgm:style>
+  </dgm:styleLbl>
+  <dgm:styleLbl name="solidBgAcc1">
+    <dgm:scene3d>
+      <a:camera prst="orthographicFront"/>
+      <a:lightRig rig="threePt" dir="t"/>
+    </dgm:scene3d>
+    <dgm:sp3d/>
+    <dgm:txPr/>
+    <dgm:style>
+      <a:lnRef idx="2">
+        <a:scrgbClr r="0" g="0" b="0"/>
+      </a:lnRef>
+      <a:fillRef idx="1">
+        <a:scrgbClr r="0" g="0" b="0"/>
+      </a:fillRef>
+      <a:effectRef idx="0">
+        <a:scrgbClr r="0" g="0" b="0"/>
+      </a:effectRef>
+      <a:fontRef idx="minor"/>
+    </dgm:style>
+  </dgm:styleLbl>
+  <dgm:styleLbl name="fgAccFollowNode1">
+    <dgm:scene3d>
+      <a:camera prst="orthographicFront"/>
+      <a:lightRig rig="threePt" dir="t"/>
+    </dgm:scene3d>
+    <dgm:sp3d/>
+    <dgm:txPr/>
+    <dgm:style>
+      <a:lnRef idx="2">
+        <a:scrgbClr r="0" g="0" b="0"/>
+      </a:lnRef>
+      <a:fillRef idx="1">
+        <a:scrgbClr r="0" g="0" b="0"/>
+      </a:fillRef>
+      <a:effectRef idx="0">
+        <a:scrgbClr r="0" g="0" b="0"/>
+      </a:effectRef>
+      <a:fontRef idx="minor"/>
+    </dgm:style>
+  </dgm:styleLbl>
+  <dgm:styleLbl name="alignAccFollowNode1">
+    <dgm:scene3d>
+      <a:camera prst="orthographicFront"/>
+      <a:lightRig rig="threePt" dir="t"/>
+    </dgm:scene3d>
+    <dgm:sp3d/>
+    <dgm:txPr/>
+    <dgm:style>
+      <a:lnRef idx="2">
+        <a:scrgbClr r="0" g="0" b="0"/>
+      </a:lnRef>
+      <a:fillRef idx="1">
+        <a:scrgbClr r="0" g="0" b="0"/>
+      </a:fillRef>
+      <a:effectRef idx="0">
+        <a:scrgbClr r="0" g="0" b="0"/>
+      </a:effectRef>
+      <a:fontRef idx="minor"/>
+    </dgm:style>
+  </dgm:styleLbl>
+  <dgm:styleLbl name="bgAccFollowNode1">
+    <dgm:scene3d>
+      <a:camera prst="orthographicFront"/>
+      <a:lightRig rig="threePt" dir="t"/>
+    </dgm:scene3d>
+    <dgm:sp3d/>
+    <dgm:txPr/>
+    <dgm:style>
+      <a:lnRef idx="2">
+        <a:scrgbClr r="0" g="0" b="0"/>
+      </a:lnRef>
+      <a:fillRef idx="1">
+        <a:scrgbClr r="0" g="0" b="0"/>
+      </a:fillRef>
+      <a:effectRef idx="0">
+        <a:scrgbClr r="0" g="0" b="0"/>
+      </a:effectRef>
+      <a:fontRef idx="minor"/>
+    </dgm:style>
+  </dgm:styleLbl>
+  <dgm:styleLbl name="fgAcc0">
+    <dgm:scene3d>
+      <a:camera prst="orthographicFront"/>
+      <a:lightRig rig="threePt" dir="t"/>
+    </dgm:scene3d>
+    <dgm:sp3d/>
+    <dgm:txPr/>
+    <dgm:style>
+      <a:lnRef idx="2">
+        <a:scrgbClr r="0" g="0" b="0"/>
+      </a:lnRef>
+      <a:fillRef idx="1">
+        <a:scrgbClr r="0" g="0" b="0"/>
+      </a:fillRef>
+      <a:effectRef idx="0">
+        <a:scrgbClr r="0" g="0" b="0"/>
+      </a:effectRef>
+      <a:fontRef idx="minor"/>
+    </dgm:style>
+  </dgm:styleLbl>
+  <dgm:styleLbl name="fgAcc2">
+    <dgm:scene3d>
+      <a:camera prst="orthographicFront"/>
+      <a:lightRig rig="threePt" dir="t"/>
+    </dgm:scene3d>
+    <dgm:sp3d/>
+    <dgm:txPr/>
+    <dgm:style>
+      <a:lnRef idx="2">
+        <a:scrgbClr r="0" g="0" b="0"/>
+      </a:lnRef>
+      <a:fillRef idx="1">
+        <a:scrgbClr r="0" g="0" b="0"/>
+      </a:fillRef>
+      <a:effectRef idx="0">
+        <a:scrgbClr r="0" g="0" b="0"/>
+      </a:effectRef>
+      <a:fontRef idx="minor"/>
+    </dgm:style>
+  </dgm:styleLbl>
+  <dgm:styleLbl name="fgAcc3">
+    <dgm:scene3d>
+      <a:camera prst="orthographicFront"/>
+      <a:lightRig rig="threePt" dir="t"/>
+    </dgm:scene3d>
+    <dgm:sp3d/>
+    <dgm:txPr/>
+    <dgm:style>
+      <a:lnRef idx="2">
+        <a:scrgbClr r="0" g="0" b="0"/>
+      </a:lnRef>
+      <a:fillRef idx="1">
+        <a:scrgbClr r="0" g="0" b="0"/>
+      </a:fillRef>
+      <a:effectRef idx="0">
+        <a:scrgbClr r="0" g="0" b="0"/>
+      </a:effectRef>
+      <a:fontRef idx="minor"/>
+    </dgm:style>
+  </dgm:styleLbl>
+  <dgm:styleLbl name="fgAcc4">
+    <dgm:scene3d>
+      <a:camera prst="orthographicFront"/>
+      <a:lightRig rig="threePt" dir="t"/>
+    </dgm:scene3d>
+    <dgm:sp3d/>
+    <dgm:txPr/>
+    <dgm:style>
+      <a:lnRef idx="2">
+        <a:scrgbClr r="0" g="0" b="0"/>
+      </a:lnRef>
+      <a:fillRef idx="1">
+        <a:scrgbClr r="0" g="0" b="0"/>
+      </a:fillRef>
+      <a:effectRef idx="0">
+        <a:scrgbClr r="0" g="0" b="0"/>
+      </a:effectRef>
+      <a:fontRef idx="minor"/>
+    </dgm:style>
+  </dgm:styleLbl>
+  <dgm:styleLbl name="bgShp">
+    <dgm:scene3d>
+      <a:camera prst="orthographicFront"/>
+      <a:lightRig rig="threePt" dir="t"/>
+    </dgm:scene3d>
+    <dgm:sp3d/>
+    <dgm:txPr/>
+    <dgm:style>
+      <a:lnRef idx="0">
+        <a:scrgbClr r="0" g="0" b="0"/>
+      </a:lnRef>
+      <a:fillRef idx="1">
+        <a:scrgbClr r="0" g="0" b="0"/>
+      </a:fillRef>
+      <a:effectRef idx="0">
+        <a:scrgbClr r="0" g="0" b="0"/>
+      </a:effectRef>
+      <a:fontRef idx="minor"/>
+    </dgm:style>
+  </dgm:styleLbl>
+  <dgm:styleLbl name="dkBgShp">
+    <dgm:scene3d>
+      <a:camera prst="orthographicFront"/>
+      <a:lightRig rig="threePt" dir="t"/>
+    </dgm:scene3d>
+    <dgm:sp3d/>
+    <dgm:txPr/>
+    <dgm:style>
+      <a:lnRef idx="0">
+        <a:scrgbClr r="0" g="0" b="0"/>
+      </a:lnRef>
+      <a:fillRef idx="1">
+        <a:scrgbClr r="0" g="0" b="0"/>
+      </a:fillRef>
+      <a:effectRef idx="0">
+        <a:scrgbClr r="0" g="0" b="0"/>
+      </a:effectRef>
+      <a:fontRef idx="minor"/>
+    </dgm:style>
+  </dgm:styleLbl>
+  <dgm:styleLbl name="trBgShp">
+    <dgm:scene3d>
+      <a:camera prst="orthographicFront"/>
+      <a:lightRig rig="threePt" dir="t"/>
+    </dgm:scene3d>
+    <dgm:sp3d/>
+    <dgm:txPr/>
+    <dgm:style>
+      <a:lnRef idx="0">
+        <a:scrgbClr r="0" g="0" b="0"/>
+      </a:lnRef>
+      <a:fillRef idx="1">
+        <a:scrgbClr r="0" g="0" b="0"/>
+      </a:fillRef>
+      <a:effectRef idx="0">
+        <a:scrgbClr r="0" g="0" b="0"/>
+      </a:effectRef>
+      <a:fontRef idx="minor"/>
+    </dgm:style>
+  </dgm:styleLbl>
+  <dgm:styleLbl name="fgShp">
+    <dgm:scene3d>
+      <a:camera prst="orthographicFront"/>
+      <a:lightRig rig="threePt" dir="t"/>
+    </dgm:scene3d>
+    <dgm:sp3d/>
+    <dgm:txPr/>
+    <dgm:style>
+      <a:lnRef idx="2">
+        <a:scrgbClr r="0" g="0" b="0"/>
+      </a:lnRef>
+      <a:fillRef idx="1">
+        <a:scrgbClr r="0" g="0" b="0"/>
+      </a:fillRef>
+      <a:effectRef idx="0">
+        <a:scrgbClr r="0" g="0" b="0"/>
+      </a:effectRef>
+      <a:fontRef idx="minor"/>
+    </dgm:style>
+  </dgm:styleLbl>
+  <dgm:styleLbl name="revTx">
+    <dgm:scene3d>
+      <a:camera prst="orthographicFront"/>
+      <a:lightRig rig="threePt" dir="t"/>
+    </dgm:scene3d>
+    <dgm:sp3d/>
+    <dgm:txPr/>
+    <dgm:style>
+      <a:lnRef idx="0">
+        <a:scrgbClr r="0" g="0" b="0"/>
+      </a:lnRef>
+      <a:fillRef idx="0">
+        <a:scrgbClr r="0" g="0" b="0"/>
+      </a:fillRef>
+      <a:effectRef idx="0">
+        <a:scrgbClr r="0" g="0" b="0"/>
+      </a:effectRef>
+      <a:fontRef idx="minor"/>
+    </dgm:style>
+  </dgm:styleLbl>
+</dgm:styleDef>
 </file>
 
 <file path=ppt/notesMasters/notesMaster1.xml><?xml version="1.0" encoding="utf-8"?>
@@ -3679,6 +5878,748 @@
               <a:rPr lang="en-US" dirty="0"/>
               <a:t>experience simulations of the battle</a:t>
             </a:r>
+          </a:p>
+        </p:txBody>
+      </p:sp>
+    </p:spTree>
+  </p:cSld>
+  <p:clrMapOvr>
+    <a:masterClrMapping/>
+  </p:clrMapOvr>
+</p:sld>
+</file>
+
+<file path=ppt/slides/slide3.xml><?xml version="1.0" encoding="utf-8"?>
+<p:sld xmlns:a="http://schemas.openxmlformats.org/drawingml/2006/main" xmlns:r="http://schemas.openxmlformats.org/officeDocument/2006/relationships" xmlns:p="http://schemas.openxmlformats.org/presentationml/2006/main">
+  <p:cSld>
+    <p:spTree>
+      <p:nvGrpSpPr>
+        <p:cNvPr id="1" name=""/>
+        <p:cNvGrpSpPr/>
+        <p:nvPr/>
+      </p:nvGrpSpPr>
+      <p:grpSpPr>
+        <a:xfrm>
+          <a:off x="0" y="0"/>
+          <a:ext cx="0" cy="0"/>
+          <a:chOff x="0" y="0"/>
+          <a:chExt cx="0" cy="0"/>
+        </a:xfrm>
+      </p:grpSpPr>
+      <p:sp>
+        <p:nvSpPr>
+          <p:cNvPr id="2" name="Title 1"/>
+          <p:cNvSpPr>
+            <a:spLocks noGrp="1"/>
+          </p:cNvSpPr>
+          <p:nvPr>
+            <p:ph type="title"/>
+          </p:nvPr>
+        </p:nvSpPr>
+        <p:spPr/>
+        <p:txBody>
+          <a:bodyPr/>
+          <a:lstStyle/>
+          <a:p>
+            <a:r>
+              <a:rPr lang="en-US" b="1" u="sng" dirty="0" smtClean="0">
+                <a:solidFill>
+                  <a:schemeClr val="tx1"/>
+                </a:solidFill>
+                <a:latin typeface="Algerian" pitchFamily="82" charset="0"/>
+              </a:rPr>
+              <a:t>Adwa 3D  interactive  game</a:t>
+            </a:r>
+            <a:endParaRPr lang="en-US" b="1" u="sng" dirty="0">
+              <a:solidFill>
+                <a:schemeClr val="tx1"/>
+              </a:solidFill>
+              <a:latin typeface="Algerian" pitchFamily="82" charset="0"/>
+            </a:endParaRPr>
+          </a:p>
+        </p:txBody>
+      </p:sp>
+      <p:graphicFrame>
+        <p:nvGraphicFramePr>
+          <p:cNvPr id="4" name="Content Placeholder 3"/>
+          <p:cNvGraphicFramePr>
+            <a:graphicFrameLocks noGrp="1"/>
+          </p:cNvGraphicFramePr>
+          <p:nvPr>
+            <p:ph idx="1"/>
+          </p:nvPr>
+        </p:nvGraphicFramePr>
+        <p:xfrm>
+          <a:off x="457200" y="1600200"/>
+          <a:ext cx="8229600" cy="4525963"/>
+        </p:xfrm>
+        <a:graphic>
+          <a:graphicData uri="http://schemas.openxmlformats.org/drawingml/2006/diagram">
+            <dgm:relIds xmlns:dgm="http://schemas.openxmlformats.org/drawingml/2006/diagram" xmlns:r="http://schemas.openxmlformats.org/officeDocument/2006/relationships" r:dm="rId2" r:lo="rId3" r:qs="rId4" r:cs="rId5"/>
+          </a:graphicData>
+        </a:graphic>
+      </p:graphicFrame>
+    </p:spTree>
+  </p:cSld>
+  <p:clrMapOvr>
+    <a:masterClrMapping/>
+  </p:clrMapOvr>
+</p:sld>
+</file>
+
+<file path=ppt/slides/slide4.xml><?xml version="1.0" encoding="utf-8"?>
+<p:sld xmlns:a="http://schemas.openxmlformats.org/drawingml/2006/main" xmlns:r="http://schemas.openxmlformats.org/officeDocument/2006/relationships" xmlns:p="http://schemas.openxmlformats.org/presentationml/2006/main">
+  <p:cSld>
+    <p:spTree>
+      <p:nvGrpSpPr>
+        <p:cNvPr id="1" name=""/>
+        <p:cNvGrpSpPr/>
+        <p:nvPr/>
+      </p:nvGrpSpPr>
+      <p:grpSpPr>
+        <a:xfrm>
+          <a:off x="0" y="0"/>
+          <a:ext cx="0" cy="0"/>
+          <a:chOff x="0" y="0"/>
+          <a:chExt cx="0" cy="0"/>
+        </a:xfrm>
+      </p:grpSpPr>
+      <p:sp>
+        <p:nvSpPr>
+          <p:cNvPr id="3" name="Content Placeholder 2"/>
+          <p:cNvSpPr>
+            <a:spLocks noGrp="1"/>
+          </p:cNvSpPr>
+          <p:nvPr>
+            <p:ph idx="1"/>
+          </p:nvPr>
+        </p:nvSpPr>
+        <p:spPr/>
+        <p:txBody>
+          <a:bodyPr/>
+          <a:lstStyle/>
+          <a:p>
+            <a:r>
+              <a:rPr lang="en-US" dirty="0" smtClean="0"/>
+              <a:t>Led by </a:t>
+            </a:r>
+            <a:r>
+              <a:rPr lang="en-US" dirty="0" err="1" smtClean="0"/>
+              <a:t>Samrawit</a:t>
+            </a:r>
+            <a:r>
+              <a:rPr lang="en-US" dirty="0" smtClean="0"/>
+              <a:t> </a:t>
+            </a:r>
+            <a:r>
+              <a:rPr lang="en-US" dirty="0" err="1" smtClean="0"/>
+              <a:t>Demeke</a:t>
+            </a:r>
+            <a:endParaRPr lang="en-US" dirty="0" smtClean="0"/>
+          </a:p>
+          <a:p>
+            <a:pPr lvl="1"/>
+            <a:r>
+              <a:rPr lang="en-US" dirty="0" smtClean="0"/>
+              <a:t>Prepares the Story line of the Game</a:t>
+            </a:r>
+          </a:p>
+          <a:p>
+            <a:pPr lvl="1"/>
+            <a:endParaRPr lang="en-US" dirty="0"/>
+          </a:p>
+        </p:txBody>
+      </p:sp>
+      <p:sp>
+        <p:nvSpPr>
+          <p:cNvPr id="4" name="Rounded Rectangle 3"/>
+          <p:cNvSpPr/>
+          <p:nvPr/>
+        </p:nvSpPr>
+        <p:spPr>
+          <a:xfrm>
+            <a:off x="381000" y="381000"/>
+            <a:ext cx="3352800" cy="762000"/>
+          </a:xfrm>
+          <a:prstGeom prst="roundRect">
+            <a:avLst/>
+          </a:prstGeom>
+        </p:spPr>
+        <p:style>
+          <a:lnRef idx="2">
+            <a:schemeClr val="accent1">
+              <a:shade val="50000"/>
+            </a:schemeClr>
+          </a:lnRef>
+          <a:fillRef idx="1">
+            <a:schemeClr val="accent1"/>
+          </a:fillRef>
+          <a:effectRef idx="0">
+            <a:schemeClr val="accent1"/>
+          </a:effectRef>
+          <a:fontRef idx="minor">
+            <a:schemeClr val="lt1"/>
+          </a:fontRef>
+        </p:style>
+        <p:txBody>
+          <a:bodyPr rtlCol="0" anchor="ctr">
+            <a:scene3d>
+              <a:camera prst="orthographicFront"/>
+              <a:lightRig rig="glow" dir="tl">
+                <a:rot lat="0" lon="0" rev="5400000"/>
+              </a:lightRig>
+            </a:scene3d>
+            <a:sp3d contourW="12700">
+              <a:bevelT w="25400" h="25400"/>
+              <a:contourClr>
+                <a:schemeClr val="accent6">
+                  <a:shade val="73000"/>
+                </a:schemeClr>
+              </a:contourClr>
+            </a:sp3d>
+          </a:bodyPr>
+          <a:lstStyle/>
+          <a:p>
+            <a:pPr algn="ctr"/>
+            <a:r>
+              <a:rPr lang="en-US" sz="4000" b="1" dirty="0" smtClean="0">
+                <a:ln w="11430"/>
+                <a:gradFill>
+                  <a:gsLst>
+                    <a:gs pos="0">
+                      <a:schemeClr val="accent6">
+                        <a:tint val="90000"/>
+                        <a:satMod val="120000"/>
+                      </a:schemeClr>
+                    </a:gs>
+                    <a:gs pos="25000">
+                      <a:schemeClr val="accent6">
+                        <a:tint val="93000"/>
+                        <a:satMod val="120000"/>
+                      </a:schemeClr>
+                    </a:gs>
+                    <a:gs pos="50000">
+                      <a:schemeClr val="accent6">
+                        <a:shade val="89000"/>
+                        <a:satMod val="110000"/>
+                      </a:schemeClr>
+                    </a:gs>
+                    <a:gs pos="75000">
+                      <a:schemeClr val="accent6">
+                        <a:tint val="93000"/>
+                        <a:satMod val="120000"/>
+                      </a:schemeClr>
+                    </a:gs>
+                    <a:gs pos="100000">
+                      <a:schemeClr val="accent6">
+                        <a:tint val="90000"/>
+                        <a:satMod val="120000"/>
+                      </a:schemeClr>
+                    </a:gs>
+                  </a:gsLst>
+                  <a:lin ang="5400000"/>
+                </a:gradFill>
+                <a:effectLst>
+                  <a:outerShdw blurRad="80000" dist="40000" dir="5040000" algn="tl">
+                    <a:srgbClr val="000000">
+                      <a:alpha val="30000"/>
+                    </a:srgbClr>
+                  </a:outerShdw>
+                </a:effectLst>
+              </a:rPr>
+              <a:t>Story Team</a:t>
+            </a:r>
+            <a:endParaRPr lang="en-US" sz="4000" b="1" dirty="0">
+              <a:ln w="11430"/>
+              <a:gradFill>
+                <a:gsLst>
+                  <a:gs pos="0">
+                    <a:schemeClr val="accent6">
+                      <a:tint val="90000"/>
+                      <a:satMod val="120000"/>
+                    </a:schemeClr>
+                  </a:gs>
+                  <a:gs pos="25000">
+                    <a:schemeClr val="accent6">
+                      <a:tint val="93000"/>
+                      <a:satMod val="120000"/>
+                    </a:schemeClr>
+                  </a:gs>
+                  <a:gs pos="50000">
+                    <a:schemeClr val="accent6">
+                      <a:shade val="89000"/>
+                      <a:satMod val="110000"/>
+                    </a:schemeClr>
+                  </a:gs>
+                  <a:gs pos="75000">
+                    <a:schemeClr val="accent6">
+                      <a:tint val="93000"/>
+                      <a:satMod val="120000"/>
+                    </a:schemeClr>
+                  </a:gs>
+                  <a:gs pos="100000">
+                    <a:schemeClr val="accent6">
+                      <a:tint val="90000"/>
+                      <a:satMod val="120000"/>
+                    </a:schemeClr>
+                  </a:gs>
+                </a:gsLst>
+                <a:lin ang="5400000"/>
+              </a:gradFill>
+              <a:effectLst>
+                <a:outerShdw blurRad="80000" dist="40000" dir="5040000" algn="tl">
+                  <a:srgbClr val="000000">
+                    <a:alpha val="30000"/>
+                  </a:srgbClr>
+                </a:outerShdw>
+              </a:effectLst>
+            </a:endParaRPr>
+          </a:p>
+        </p:txBody>
+      </p:sp>
+    </p:spTree>
+  </p:cSld>
+  <p:clrMapOvr>
+    <a:masterClrMapping/>
+  </p:clrMapOvr>
+</p:sld>
+</file>
+
+<file path=ppt/slides/slide5.xml><?xml version="1.0" encoding="utf-8"?>
+<p:sld xmlns:a="http://schemas.openxmlformats.org/drawingml/2006/main" xmlns:r="http://schemas.openxmlformats.org/officeDocument/2006/relationships" xmlns:p="http://schemas.openxmlformats.org/presentationml/2006/main">
+  <p:cSld>
+    <p:spTree>
+      <p:nvGrpSpPr>
+        <p:cNvPr id="1" name=""/>
+        <p:cNvGrpSpPr/>
+        <p:nvPr/>
+      </p:nvGrpSpPr>
+      <p:grpSpPr>
+        <a:xfrm>
+          <a:off x="0" y="0"/>
+          <a:ext cx="0" cy="0"/>
+          <a:chOff x="0" y="0"/>
+          <a:chExt cx="0" cy="0"/>
+        </a:xfrm>
+      </p:grpSpPr>
+      <p:sp>
+        <p:nvSpPr>
+          <p:cNvPr id="3" name="Content Placeholder 2"/>
+          <p:cNvSpPr>
+            <a:spLocks noGrp="1"/>
+          </p:cNvSpPr>
+          <p:nvPr>
+            <p:ph idx="1"/>
+          </p:nvPr>
+        </p:nvSpPr>
+        <p:spPr/>
+        <p:txBody>
+          <a:bodyPr/>
+          <a:lstStyle/>
+          <a:p>
+            <a:r>
+              <a:rPr lang="en-US" dirty="0" smtClean="0"/>
+              <a:t>Led by </a:t>
+            </a:r>
+            <a:r>
+              <a:rPr lang="en-US" dirty="0" err="1" smtClean="0"/>
+              <a:t>Buruk</a:t>
+            </a:r>
+            <a:r>
+              <a:rPr lang="en-US" dirty="0" smtClean="0"/>
+              <a:t> G/</a:t>
+            </a:r>
+            <a:r>
+              <a:rPr lang="en-US" dirty="0" err="1" smtClean="0"/>
+              <a:t>Sillasie</a:t>
+            </a:r>
+            <a:endParaRPr lang="en-US" dirty="0" smtClean="0"/>
+          </a:p>
+          <a:p>
+            <a:pPr lvl="1"/>
+            <a:r>
+              <a:rPr lang="en-US" dirty="0" err="1" smtClean="0"/>
+              <a:t>Sfsdfdsfs</a:t>
+            </a:r>
+            <a:endParaRPr lang="en-US" dirty="0" smtClean="0"/>
+          </a:p>
+          <a:p>
+            <a:pPr lvl="1"/>
+            <a:r>
+              <a:rPr lang="en-US" dirty="0" err="1" smtClean="0"/>
+              <a:t>Dfsdf</a:t>
+            </a:r>
+            <a:endParaRPr lang="en-US" dirty="0" smtClean="0"/>
+          </a:p>
+          <a:p>
+            <a:pPr lvl="1"/>
+            <a:r>
+              <a:rPr lang="en-US" dirty="0" err="1" smtClean="0"/>
+              <a:t>sdf</a:t>
+            </a:r>
+            <a:endParaRPr lang="en-US" dirty="0"/>
+          </a:p>
+        </p:txBody>
+      </p:sp>
+      <p:sp>
+        <p:nvSpPr>
+          <p:cNvPr id="4" name="Rounded Rectangle 3"/>
+          <p:cNvSpPr/>
+          <p:nvPr/>
+        </p:nvSpPr>
+        <p:spPr>
+          <a:xfrm>
+            <a:off x="381000" y="381000"/>
+            <a:ext cx="5562600" cy="762000"/>
+          </a:xfrm>
+          <a:prstGeom prst="roundRect">
+            <a:avLst/>
+          </a:prstGeom>
+        </p:spPr>
+        <p:style>
+          <a:lnRef idx="2">
+            <a:schemeClr val="accent1">
+              <a:shade val="50000"/>
+            </a:schemeClr>
+          </a:lnRef>
+          <a:fillRef idx="1">
+            <a:schemeClr val="accent1"/>
+          </a:fillRef>
+          <a:effectRef idx="0">
+            <a:schemeClr val="accent1"/>
+          </a:effectRef>
+          <a:fontRef idx="minor">
+            <a:schemeClr val="lt1"/>
+          </a:fontRef>
+        </p:style>
+        <p:txBody>
+          <a:bodyPr rtlCol="0" anchor="ctr">
+            <a:scene3d>
+              <a:camera prst="orthographicFront"/>
+              <a:lightRig rig="glow" dir="tl">
+                <a:rot lat="0" lon="0" rev="5400000"/>
+              </a:lightRig>
+            </a:scene3d>
+            <a:sp3d contourW="12700">
+              <a:bevelT w="25400" h="25400"/>
+              <a:contourClr>
+                <a:schemeClr val="accent6">
+                  <a:shade val="73000"/>
+                </a:schemeClr>
+              </a:contourClr>
+            </a:sp3d>
+          </a:bodyPr>
+          <a:lstStyle/>
+          <a:p>
+            <a:pPr algn="ctr"/>
+            <a:r>
+              <a:rPr lang="en-US" sz="4000" b="1" dirty="0" smtClean="0">
+                <a:ln w="11430"/>
+                <a:gradFill>
+                  <a:gsLst>
+                    <a:gs pos="0">
+                      <a:schemeClr val="accent6">
+                        <a:tint val="90000"/>
+                        <a:satMod val="120000"/>
+                      </a:schemeClr>
+                    </a:gs>
+                    <a:gs pos="25000">
+                      <a:schemeClr val="accent6">
+                        <a:tint val="93000"/>
+                        <a:satMod val="120000"/>
+                      </a:schemeClr>
+                    </a:gs>
+                    <a:gs pos="50000">
+                      <a:schemeClr val="accent6">
+                        <a:shade val="89000"/>
+                        <a:satMod val="110000"/>
+                      </a:schemeClr>
+                    </a:gs>
+                    <a:gs pos="75000">
+                      <a:schemeClr val="accent6">
+                        <a:tint val="93000"/>
+                        <a:satMod val="120000"/>
+                      </a:schemeClr>
+                    </a:gs>
+                    <a:gs pos="100000">
+                      <a:schemeClr val="accent6">
+                        <a:tint val="90000"/>
+                        <a:satMod val="120000"/>
+                      </a:schemeClr>
+                    </a:gs>
+                  </a:gsLst>
+                  <a:lin ang="5400000"/>
+                </a:gradFill>
+                <a:effectLst>
+                  <a:outerShdw blurRad="80000" dist="40000" dir="5040000" algn="tl">
+                    <a:srgbClr val="000000">
+                      <a:alpha val="30000"/>
+                    </a:srgbClr>
+                  </a:outerShdw>
+                </a:effectLst>
+              </a:rPr>
+              <a:t>Graphics Design Team</a:t>
+            </a:r>
+            <a:endParaRPr lang="en-US" sz="4000" b="1" dirty="0">
+              <a:ln w="11430"/>
+              <a:gradFill>
+                <a:gsLst>
+                  <a:gs pos="0">
+                    <a:schemeClr val="accent6">
+                      <a:tint val="90000"/>
+                      <a:satMod val="120000"/>
+                    </a:schemeClr>
+                  </a:gs>
+                  <a:gs pos="25000">
+                    <a:schemeClr val="accent6">
+                      <a:tint val="93000"/>
+                      <a:satMod val="120000"/>
+                    </a:schemeClr>
+                  </a:gs>
+                  <a:gs pos="50000">
+                    <a:schemeClr val="accent6">
+                      <a:shade val="89000"/>
+                      <a:satMod val="110000"/>
+                    </a:schemeClr>
+                  </a:gs>
+                  <a:gs pos="75000">
+                    <a:schemeClr val="accent6">
+                      <a:tint val="93000"/>
+                      <a:satMod val="120000"/>
+                    </a:schemeClr>
+                  </a:gs>
+                  <a:gs pos="100000">
+                    <a:schemeClr val="accent6">
+                      <a:tint val="90000"/>
+                      <a:satMod val="120000"/>
+                    </a:schemeClr>
+                  </a:gs>
+                </a:gsLst>
+                <a:lin ang="5400000"/>
+              </a:gradFill>
+              <a:effectLst>
+                <a:outerShdw blurRad="80000" dist="40000" dir="5040000" algn="tl">
+                  <a:srgbClr val="000000">
+                    <a:alpha val="30000"/>
+                  </a:srgbClr>
+                </a:outerShdw>
+              </a:effectLst>
+            </a:endParaRPr>
+          </a:p>
+        </p:txBody>
+      </p:sp>
+    </p:spTree>
+  </p:cSld>
+  <p:clrMapOvr>
+    <a:masterClrMapping/>
+  </p:clrMapOvr>
+</p:sld>
+</file>
+
+<file path=ppt/slides/slide6.xml><?xml version="1.0" encoding="utf-8"?>
+<p:sld xmlns:a="http://schemas.openxmlformats.org/drawingml/2006/main" xmlns:r="http://schemas.openxmlformats.org/officeDocument/2006/relationships" xmlns:p="http://schemas.openxmlformats.org/presentationml/2006/main">
+  <p:cSld>
+    <p:spTree>
+      <p:nvGrpSpPr>
+        <p:cNvPr id="1" name=""/>
+        <p:cNvGrpSpPr/>
+        <p:nvPr/>
+      </p:nvGrpSpPr>
+      <p:grpSpPr>
+        <a:xfrm>
+          <a:off x="0" y="0"/>
+          <a:ext cx="0" cy="0"/>
+          <a:chOff x="0" y="0"/>
+          <a:chExt cx="0" cy="0"/>
+        </a:xfrm>
+      </p:grpSpPr>
+      <p:sp>
+        <p:nvSpPr>
+          <p:cNvPr id="3" name="Content Placeholder 2"/>
+          <p:cNvSpPr>
+            <a:spLocks noGrp="1"/>
+          </p:cNvSpPr>
+          <p:nvPr>
+            <p:ph idx="1"/>
+          </p:nvPr>
+        </p:nvSpPr>
+        <p:spPr/>
+        <p:txBody>
+          <a:bodyPr/>
+          <a:lstStyle/>
+          <a:p>
+            <a:r>
+              <a:rPr lang="en-US" dirty="0" smtClean="0"/>
+              <a:t>Led by </a:t>
+            </a:r>
+            <a:r>
+              <a:rPr lang="en-US" dirty="0" err="1" smtClean="0"/>
+              <a:t>Robel</a:t>
+            </a:r>
+            <a:r>
+              <a:rPr lang="en-US" dirty="0" smtClean="0"/>
+              <a:t> </a:t>
+            </a:r>
+            <a:r>
+              <a:rPr lang="en-US" dirty="0" err="1" smtClean="0"/>
+              <a:t>Hayelom</a:t>
+            </a:r>
+            <a:endParaRPr lang="en-US" dirty="0" smtClean="0"/>
+          </a:p>
+          <a:p>
+            <a:pPr lvl="1"/>
+            <a:r>
+              <a:rPr lang="en-US" smtClean="0"/>
+              <a:t>fsdfsdf</a:t>
+            </a:r>
+            <a:endParaRPr lang="en-US"/>
+          </a:p>
+        </p:txBody>
+      </p:sp>
+      <p:sp>
+        <p:nvSpPr>
+          <p:cNvPr id="4" name="Rounded Rectangle 3"/>
+          <p:cNvSpPr/>
+          <p:nvPr/>
+        </p:nvSpPr>
+        <p:spPr>
+          <a:xfrm>
+            <a:off x="381000" y="381000"/>
+            <a:ext cx="5562600" cy="762000"/>
+          </a:xfrm>
+          <a:prstGeom prst="roundRect">
+            <a:avLst/>
+          </a:prstGeom>
+        </p:spPr>
+        <p:style>
+          <a:lnRef idx="2">
+            <a:schemeClr val="accent1">
+              <a:shade val="50000"/>
+            </a:schemeClr>
+          </a:lnRef>
+          <a:fillRef idx="1">
+            <a:schemeClr val="accent1"/>
+          </a:fillRef>
+          <a:effectRef idx="0">
+            <a:schemeClr val="accent1"/>
+          </a:effectRef>
+          <a:fontRef idx="minor">
+            <a:schemeClr val="lt1"/>
+          </a:fontRef>
+        </p:style>
+        <p:txBody>
+          <a:bodyPr rtlCol="0" anchor="ctr">
+            <a:scene3d>
+              <a:camera prst="orthographicFront"/>
+              <a:lightRig rig="glow" dir="tl">
+                <a:rot lat="0" lon="0" rev="5400000"/>
+              </a:lightRig>
+            </a:scene3d>
+            <a:sp3d contourW="12700">
+              <a:bevelT w="25400" h="25400"/>
+              <a:contourClr>
+                <a:schemeClr val="accent6">
+                  <a:shade val="73000"/>
+                </a:schemeClr>
+              </a:contourClr>
+            </a:sp3d>
+          </a:bodyPr>
+          <a:lstStyle/>
+          <a:p>
+            <a:pPr algn="ctr"/>
+            <a:r>
+              <a:rPr lang="en-US" sz="4000" b="1" dirty="0" smtClean="0">
+                <a:ln w="11430"/>
+                <a:gradFill>
+                  <a:gsLst>
+                    <a:gs pos="0">
+                      <a:schemeClr val="accent6">
+                        <a:tint val="90000"/>
+                        <a:satMod val="120000"/>
+                      </a:schemeClr>
+                    </a:gs>
+                    <a:gs pos="25000">
+                      <a:schemeClr val="accent6">
+                        <a:tint val="93000"/>
+                        <a:satMod val="120000"/>
+                      </a:schemeClr>
+                    </a:gs>
+                    <a:gs pos="50000">
+                      <a:schemeClr val="accent6">
+                        <a:shade val="89000"/>
+                        <a:satMod val="110000"/>
+                      </a:schemeClr>
+                    </a:gs>
+                    <a:gs pos="75000">
+                      <a:schemeClr val="accent6">
+                        <a:tint val="93000"/>
+                        <a:satMod val="120000"/>
+                      </a:schemeClr>
+                    </a:gs>
+                    <a:gs pos="100000">
+                      <a:schemeClr val="accent6">
+                        <a:tint val="90000"/>
+                        <a:satMod val="120000"/>
+                      </a:schemeClr>
+                    </a:gs>
+                  </a:gsLst>
+                  <a:lin ang="5400000"/>
+                </a:gradFill>
+                <a:effectLst>
+                  <a:outerShdw blurRad="80000" dist="40000" dir="5040000" algn="tl">
+                    <a:srgbClr val="000000">
+                      <a:alpha val="30000"/>
+                    </a:srgbClr>
+                  </a:outerShdw>
+                </a:effectLst>
+              </a:rPr>
+              <a:t>Game Logic Team</a:t>
+            </a:r>
+            <a:endParaRPr lang="en-US" sz="4000" b="1" dirty="0">
+              <a:ln w="11430"/>
+              <a:gradFill>
+                <a:gsLst>
+                  <a:gs pos="0">
+                    <a:schemeClr val="accent6">
+                      <a:tint val="90000"/>
+                      <a:satMod val="120000"/>
+                    </a:schemeClr>
+                  </a:gs>
+                  <a:gs pos="25000">
+                    <a:schemeClr val="accent6">
+                      <a:tint val="93000"/>
+                      <a:satMod val="120000"/>
+                    </a:schemeClr>
+                  </a:gs>
+                  <a:gs pos="50000">
+                    <a:schemeClr val="accent6">
+                      <a:shade val="89000"/>
+                      <a:satMod val="110000"/>
+                    </a:schemeClr>
+                  </a:gs>
+                  <a:gs pos="75000">
+                    <a:schemeClr val="accent6">
+                      <a:tint val="93000"/>
+                      <a:satMod val="120000"/>
+                    </a:schemeClr>
+                  </a:gs>
+                  <a:gs pos="100000">
+                    <a:schemeClr val="accent6">
+                      <a:tint val="90000"/>
+                      <a:satMod val="120000"/>
+                    </a:schemeClr>
+                  </a:gs>
+                </a:gsLst>
+                <a:lin ang="5400000"/>
+              </a:gradFill>
+              <a:effectLst>
+                <a:outerShdw blurRad="80000" dist="40000" dir="5040000" algn="tl">
+                  <a:srgbClr val="000000">
+                    <a:alpha val="30000"/>
+                  </a:srgbClr>
+                </a:outerShdw>
+              </a:effectLst>
+            </a:endParaRPr>
           </a:p>
         </p:txBody>
       </p:sp>
